--- a/겜소디 맵디.pptx
+++ b/겜소디 맵디.pptx
@@ -21,12 +21,12 @@
   <p:notesSz cx="6858000" cy="9144000"/>
   <p:embeddedFontLst>
     <p:embeddedFont>
-      <p:font typeface="나눔바른펜" panose="020B0503000000000000" pitchFamily="50" charset="-127"/>
+      <p:font typeface="맑은 고딕" pitchFamily="50" charset="-127"/>
       <p:regular r:id="rId11"/>
       <p:bold r:id="rId12"/>
     </p:embeddedFont>
     <p:embeddedFont>
-      <p:font typeface="맑은 고딕" panose="020B0503020000020004" pitchFamily="50" charset="-127"/>
+      <p:font typeface="나눔바른펜" charset="-127"/>
       <p:regular r:id="rId13"/>
       <p:bold r:id="rId14"/>
     </p:embeddedFont>
@@ -220,7 +220,7 @@
               <a:pPr lvl="0">
                 <a:defRPr lang="ko-KR" altLang="en-US"/>
               </a:pPr>
-              <a:t>2017-11-18</a:t>
+              <a:t>2017-12-10</a:t>
             </a:fld>
             <a:endParaRPr lang="ko-KR" altLang="en-US"/>
           </a:p>
@@ -411,7 +411,7 @@
     </p:spTree>
     <p:extLst>
       <p:ext uri="{BB962C8B-B14F-4D97-AF65-F5344CB8AC3E}">
-        <p14:creationId xmlns:p14="http://schemas.microsoft.com/office/powerpoint/2010/main" val="294732736"/>
+        <p14:creationId xmlns:p14="http://schemas.microsoft.com/office/powerpoint/2010/main" xmlns="" val="294732736"/>
       </p:ext>
     </p:extLst>
   </p:cSld>
@@ -592,7 +592,7 @@
     </p:spTree>
     <p:extLst>
       <p:ext uri="{BB962C8B-B14F-4D97-AF65-F5344CB8AC3E}">
-        <p14:creationId xmlns:p14="http://schemas.microsoft.com/office/powerpoint/2010/main" val="4247007959"/>
+        <p14:creationId xmlns:p14="http://schemas.microsoft.com/office/powerpoint/2010/main" xmlns="" val="4247007959"/>
       </p:ext>
     </p:extLst>
   </p:cSld>
@@ -682,7 +682,7 @@
     </p:spTree>
     <p:extLst>
       <p:ext uri="{BB962C8B-B14F-4D97-AF65-F5344CB8AC3E}">
-        <p14:creationId xmlns:p14="http://schemas.microsoft.com/office/powerpoint/2010/main" val="40273676"/>
+        <p14:creationId xmlns:p14="http://schemas.microsoft.com/office/powerpoint/2010/main" xmlns="" val="40273676"/>
       </p:ext>
     </p:extLst>
   </p:cSld>
@@ -772,7 +772,7 @@
     </p:spTree>
     <p:extLst>
       <p:ext uri="{BB962C8B-B14F-4D97-AF65-F5344CB8AC3E}">
-        <p14:creationId xmlns:p14="http://schemas.microsoft.com/office/powerpoint/2010/main" val="40273676"/>
+        <p14:creationId xmlns:p14="http://schemas.microsoft.com/office/powerpoint/2010/main" xmlns="" val="40273676"/>
       </p:ext>
     </p:extLst>
   </p:cSld>
@@ -862,7 +862,7 @@
     </p:spTree>
     <p:extLst>
       <p:ext uri="{BB962C8B-B14F-4D97-AF65-F5344CB8AC3E}">
-        <p14:creationId xmlns:p14="http://schemas.microsoft.com/office/powerpoint/2010/main" val="40273676"/>
+        <p14:creationId xmlns:p14="http://schemas.microsoft.com/office/powerpoint/2010/main" xmlns="" val="40273676"/>
       </p:ext>
     </p:extLst>
   </p:cSld>
@@ -952,7 +952,7 @@
     </p:spTree>
     <p:extLst>
       <p:ext uri="{BB962C8B-B14F-4D97-AF65-F5344CB8AC3E}">
-        <p14:creationId xmlns:p14="http://schemas.microsoft.com/office/powerpoint/2010/main" val="40273676"/>
+        <p14:creationId xmlns:p14="http://schemas.microsoft.com/office/powerpoint/2010/main" xmlns="" val="40273676"/>
       </p:ext>
     </p:extLst>
   </p:cSld>
@@ -1042,7 +1042,7 @@
     </p:spTree>
     <p:extLst>
       <p:ext uri="{BB962C8B-B14F-4D97-AF65-F5344CB8AC3E}">
-        <p14:creationId xmlns:p14="http://schemas.microsoft.com/office/powerpoint/2010/main" val="40273676"/>
+        <p14:creationId xmlns:p14="http://schemas.microsoft.com/office/powerpoint/2010/main" xmlns="" val="40273676"/>
       </p:ext>
     </p:extLst>
   </p:cSld>
@@ -1370,7 +1370,8 @@
           <a:p>
             <a:fld id="{C0EEEF72-D11B-4B45-80B2-11F8785BC426}" type="datetime1">
               <a:rPr lang="ko-KR" altLang="en-US" smtClean="0"/>
-              <a:t>2017-11-18</a:t>
+              <a:pPr/>
+              <a:t>2017-12-10</a:t>
             </a:fld>
             <a:endParaRPr lang="ko-KR" altLang="en-US"/>
           </a:p>
@@ -1576,7 +1577,8 @@
           <a:p>
             <a:fld id="{03FF6344-EBAA-4085-A258-559FF331E266}" type="datetime1">
               <a:rPr lang="ko-KR" altLang="en-US" smtClean="0"/>
-              <a:t>2017-11-18</a:t>
+              <a:pPr/>
+              <a:t>2017-12-10</a:t>
             </a:fld>
             <a:endParaRPr lang="ko-KR" altLang="en-US"/>
           </a:p>
@@ -2011,7 +2013,8 @@
           <a:p>
             <a:fld id="{2D090FF6-59C0-4879-B026-626A45E9659E}" type="datetime1">
               <a:rPr lang="ko-KR" altLang="en-US" smtClean="0"/>
-              <a:t>2017-11-18</a:t>
+              <a:pPr/>
+              <a:t>2017-12-10</a:t>
             </a:fld>
             <a:endParaRPr lang="ko-KR" altLang="en-US"/>
           </a:p>
@@ -2473,7 +2476,8 @@
           <a:p>
             <a:fld id="{6596B71F-E5F5-4A0E-890A-E016AAB339A5}" type="datetime1">
               <a:rPr lang="ko-KR" altLang="en-US" smtClean="0"/>
-              <a:t>2017-11-18</a:t>
+              <a:pPr/>
+              <a:t>2017-12-10</a:t>
             </a:fld>
             <a:endParaRPr lang="ko-KR" altLang="en-US"/>
           </a:p>
@@ -2619,7 +2623,8 @@
           <a:p>
             <a:fld id="{BAE021B9-18A6-4AF5-A374-48BE1ECA2072}" type="datetime1">
               <a:rPr lang="ko-KR" altLang="en-US" smtClean="0"/>
-              <a:t>2017-11-18</a:t>
+              <a:pPr/>
+              <a:t>2017-12-10</a:t>
             </a:fld>
             <a:endParaRPr lang="ko-KR" altLang="en-US"/>
           </a:p>
@@ -2734,7 +2739,8 @@
           <a:p>
             <a:fld id="{21FA1C93-9B06-4276-BC97-0ADB2A4437DB}" type="datetime1">
               <a:rPr lang="ko-KR" altLang="en-US" smtClean="0"/>
-              <a:t>2017-11-18</a:t>
+              <a:pPr/>
+              <a:t>2017-12-10</a:t>
             </a:fld>
             <a:endParaRPr lang="ko-KR" altLang="en-US"/>
           </a:p>
@@ -3040,7 +3046,8 @@
           <a:p>
             <a:fld id="{507ABF81-9823-4755-9B74-B9CC032432DE}" type="datetime1">
               <a:rPr lang="ko-KR" altLang="en-US" smtClean="0"/>
-              <a:t>2017-11-18</a:t>
+              <a:pPr/>
+              <a:t>2017-12-10</a:t>
             </a:fld>
             <a:endParaRPr lang="ko-KR" altLang="en-US"/>
           </a:p>
@@ -3322,7 +3329,8 @@
           <a:p>
             <a:fld id="{C958A5C5-A760-4665-A940-E20F510C69FE}" type="datetime1">
               <a:rPr lang="ko-KR" altLang="en-US" smtClean="0"/>
-              <a:t>2017-11-18</a:t>
+              <a:pPr/>
+              <a:t>2017-12-10</a:t>
             </a:fld>
             <a:endParaRPr lang="ko-KR" altLang="en-US"/>
           </a:p>
@@ -4737,7 +4745,7 @@
             <a:lum/>
             <a:extLst>
               <a:ext uri="783A4284-B454-46f5-B8C8-42B5039CE256">
-                <hp:hncPhoto xmlns:hp="http://schemas.haansoft.com/office/presentation/8.0" xmlns:dsp="http://schemas.microsoft.com/office/drawing/2008/diagram" xmlns:dgm="http://schemas.openxmlformats.org/drawingml/2006/diagram" xmlns:c="http://schemas.openxmlformats.org/drawingml/2006/chart" xmlns="">
+                <hp:hncPhoto xmlns="" xmlns:c="http://schemas.openxmlformats.org/drawingml/2006/chart" xmlns:dgm="http://schemas.openxmlformats.org/drawingml/2006/diagram" xmlns:dsp="http://schemas.microsoft.com/office/drawing/2008/diagram" xmlns:hp="http://schemas.haansoft.com/office/presentation/8.0">
                   <hd:imgLayer xmlns:hd="http://schemas.haansoft.com/office/drawingml/8.0" r:embed="rId4">
                     <hd:imgEffect xmlns:hd="http://schemas.haansoft.com/office/drawingml/8.0">
                       <hd:artEffectSoftPortrait trans="10000"/>
@@ -4940,10 +4948,6 @@
               </a:rPr>
               <a:t>★</a:t>
             </a:r>
-            <a:endParaRPr lang="en-US" altLang="ko-KR" dirty="0">
-              <a:latin typeface="나눔바른펜"/>
-              <a:ea typeface="나눔바른펜"/>
-            </a:endParaRPr>
           </a:p>
         </p:txBody>
       </p:sp>
@@ -5458,7 +5462,7 @@
             <a:lum/>
             <a:extLst>
               <a:ext uri="783A4284-B454-46f5-B8C8-42B5039CE256">
-                <hp:hncPhoto xmlns:hp="http://schemas.haansoft.com/office/presentation/8.0" xmlns:dsp="http://schemas.microsoft.com/office/drawing/2008/diagram" xmlns:dgm="http://schemas.openxmlformats.org/drawingml/2006/diagram" xmlns:c="http://schemas.openxmlformats.org/drawingml/2006/chart" xmlns="">
+                <hp:hncPhoto xmlns="" xmlns:c="http://schemas.openxmlformats.org/drawingml/2006/chart" xmlns:dgm="http://schemas.openxmlformats.org/drawingml/2006/diagram" xmlns:dsp="http://schemas.microsoft.com/office/drawing/2008/diagram" xmlns:hp="http://schemas.haansoft.com/office/presentation/8.0">
                   <hd:imgLayer xmlns:hd="http://schemas.haansoft.com/office/drawingml/8.0" r:embed="rId3">
                     <hd:imgEffect xmlns:hd="http://schemas.haansoft.com/office/drawingml/8.0">
                       <hd:artEffectSoftPortrait trans="10000"/>
@@ -5581,14 +5585,7 @@
                 <a:latin typeface="나눔바른펜"/>
                 <a:ea typeface="나눔바른펜"/>
               </a:rPr>
-              <a:t> </a:t>
-            </a:r>
-            <a:r>
-              <a:rPr lang="en-US" altLang="ko-KR" dirty="0">
-                <a:latin typeface="나눔바른펜"/>
-                <a:ea typeface="나눔바른펜"/>
-              </a:rPr>
-              <a:t> </a:t>
+              <a:t>  </a:t>
             </a:r>
             <a:r>
               <a:rPr lang="ko-KR" altLang="en-US" dirty="0" smtClean="0">
@@ -6012,10 +6009,6 @@
               </a:rPr>
               <a:t>★</a:t>
             </a:r>
-            <a:endParaRPr lang="en-US" altLang="ko-KR" dirty="0">
-              <a:latin typeface="나눔바른펜"/>
-              <a:ea typeface="나눔바른펜"/>
-            </a:endParaRPr>
           </a:p>
         </p:txBody>
       </p:sp>
@@ -6288,7 +6281,7 @@
             <a:lum/>
             <a:extLst>
               <a:ext uri="783A4284-B454-46f5-B8C8-42B5039CE256">
-                <hp:hncPhoto xmlns:hp="http://schemas.haansoft.com/office/presentation/8.0" xmlns:dsp="http://schemas.microsoft.com/office/drawing/2008/diagram" xmlns:dgm="http://schemas.openxmlformats.org/drawingml/2006/diagram" xmlns:c="http://schemas.openxmlformats.org/drawingml/2006/chart" xmlns="">
+                <hp:hncPhoto xmlns="" xmlns:c="http://schemas.openxmlformats.org/drawingml/2006/chart" xmlns:dgm="http://schemas.openxmlformats.org/drawingml/2006/diagram" xmlns:dsp="http://schemas.microsoft.com/office/drawing/2008/diagram" xmlns:hp="http://schemas.haansoft.com/office/presentation/8.0">
                   <hd:imgLayer xmlns:hd="http://schemas.haansoft.com/office/drawingml/8.0" r:embed="rId4">
                     <hd:imgEffect xmlns:hd="http://schemas.haansoft.com/office/drawingml/8.0">
                       <hd:artEffectSoftPortrait trans="10000"/>
@@ -6378,8 +6371,26 @@
                 <a:latin typeface="나눔바른펜" panose="020B0503000000000000" pitchFamily="50" charset="-127"/>
                 <a:ea typeface="나눔바른펜" panose="020B0503000000000000" pitchFamily="50" charset="-127"/>
               </a:rPr>
-              <a:t>①방 : 실험실</a:t>
-            </a:r>
+              <a:t>①방 : </a:t>
+            </a:r>
+            <a:r>
+              <a:rPr lang="ko-KR" altLang="en-US" dirty="0" smtClean="0">
+                <a:latin typeface="나눔바른펜" panose="020B0503000000000000" pitchFamily="50" charset="-127"/>
+                <a:ea typeface="나눔바른펜" panose="020B0503000000000000" pitchFamily="50" charset="-127"/>
+              </a:rPr>
+              <a:t>조력자의 약이 있음</a:t>
+            </a:r>
+            <a:r>
+              <a:rPr lang="en-US" altLang="ko-KR" dirty="0" smtClean="0">
+                <a:latin typeface="나눔바른펜" panose="020B0503000000000000" pitchFamily="50" charset="-127"/>
+                <a:ea typeface="나눔바른펜" panose="020B0503000000000000" pitchFamily="50" charset="-127"/>
+              </a:rPr>
+              <a:t>.</a:t>
+            </a:r>
+            <a:endParaRPr lang="ko-KR" altLang="en-US" dirty="0">
+              <a:latin typeface="나눔바른펜" panose="020B0503000000000000" pitchFamily="50" charset="-127"/>
+              <a:ea typeface="나눔바른펜" panose="020B0503000000000000" pitchFamily="50" charset="-127"/>
+            </a:endParaRPr>
           </a:p>
           <a:p>
             <a:pPr>
@@ -6419,46 +6430,18 @@
               <a:t>(</a:t>
             </a:r>
             <a:r>
-              <a:rPr lang="ko-KR" altLang="en-US" dirty="0">
-                <a:latin typeface="나눔바른펜" panose="020B0503000000000000" pitchFamily="50" charset="-127"/>
-                <a:ea typeface="나눔바른펜" panose="020B0503000000000000" pitchFamily="50" charset="-127"/>
-              </a:rPr>
-              <a:t> </a:t>
-            </a:r>
-            <a:r>
               <a:rPr lang="ko-KR" altLang="en-US" dirty="0" smtClean="0">
                 <a:latin typeface="나눔바른펜" panose="020B0503000000000000" pitchFamily="50" charset="-127"/>
                 <a:ea typeface="나눔바른펜" panose="020B0503000000000000" pitchFamily="50" charset="-127"/>
               </a:rPr>
-              <a:t>병원의 비밀</a:t>
+              <a:t>①방에 내 약이 있음 </a:t>
             </a:r>
             <a:r>
               <a:rPr lang="en-US" altLang="ko-KR" dirty="0" smtClean="0">
                 <a:latin typeface="나눔바른펜" panose="020B0503000000000000" pitchFamily="50" charset="-127"/>
                 <a:ea typeface="나눔바른펜" panose="020B0503000000000000" pitchFamily="50" charset="-127"/>
               </a:rPr>
-              <a:t>, </a:t>
-            </a:r>
-            <a:r>
-              <a:rPr lang="ko-KR" altLang="en-US" dirty="0" smtClean="0">
-                <a:latin typeface="나눔바른펜" panose="020B0503000000000000" pitchFamily="50" charset="-127"/>
-                <a:ea typeface="나눔바른펜" panose="020B0503000000000000" pitchFamily="50" charset="-127"/>
-              </a:rPr>
-              <a:t>경보기</a:t>
-            </a:r>
-            <a:r>
-              <a:rPr lang="en-US" altLang="ko-KR" dirty="0" smtClean="0">
-                <a:latin typeface="나눔바른펜" panose="020B0503000000000000" pitchFamily="50" charset="-127"/>
-                <a:ea typeface="나눔바른펜" panose="020B0503000000000000" pitchFamily="50" charset="-127"/>
-              </a:rPr>
-              <a:t> </a:t>
-            </a:r>
-            <a:r>
-              <a:rPr lang="en-US" altLang="ko-KR" dirty="0" smtClean="0">
-                <a:latin typeface="나눔바른펜" panose="020B0503000000000000" pitchFamily="50" charset="-127"/>
-                <a:ea typeface="나눔바른펜" panose="020B0503000000000000" pitchFamily="50" charset="-127"/>
-              </a:rPr>
-              <a:t> )</a:t>
+              <a:t>)</a:t>
             </a:r>
             <a:endParaRPr lang="ko-KR" altLang="en-US" dirty="0">
               <a:latin typeface="나눔바른펜" panose="020B0503000000000000" pitchFamily="50" charset="-127"/>
@@ -6493,56 +6476,56 @@
                 <a:latin typeface="나눔바른펜" panose="020B0503000000000000" pitchFamily="50" charset="-127"/>
                 <a:ea typeface="나눔바른펜" panose="020B0503000000000000" pitchFamily="50" charset="-127"/>
               </a:rPr>
-              <a:t>방</a:t>
+              <a:t>방 </a:t>
+            </a:r>
+            <a:r>
+              <a:rPr lang="ko-KR" altLang="en-US" dirty="0">
+                <a:latin typeface="나눔바른펜" panose="020B0503000000000000" pitchFamily="50" charset="-127"/>
+                <a:ea typeface="나눔바른펜" panose="020B0503000000000000" pitchFamily="50" charset="-127"/>
+              </a:rPr>
+              <a:t>: </a:t>
+            </a:r>
+            <a:r>
+              <a:rPr lang="en-US" altLang="ko-KR" dirty="0" smtClean="0">
+                <a:latin typeface="나눔바른펜" panose="020B0503000000000000" pitchFamily="50" charset="-127"/>
+                <a:ea typeface="나눔바른펜" panose="020B0503000000000000" pitchFamily="50" charset="-127"/>
+              </a:rPr>
+              <a:t>wife </a:t>
             </a:r>
             <a:r>
               <a:rPr lang="ko-KR" altLang="en-US" dirty="0" smtClean="0">
                 <a:latin typeface="나눔바른펜" panose="020B0503000000000000" pitchFamily="50" charset="-127"/>
                 <a:ea typeface="나눔바른펜" panose="020B0503000000000000" pitchFamily="50" charset="-127"/>
               </a:rPr>
+              <a:t>방 </a:t>
+            </a:r>
+            <a:r>
+              <a:rPr lang="en-US" altLang="ko-KR" dirty="0" smtClean="0">
+                <a:latin typeface="나눔바른펜" panose="020B0503000000000000" pitchFamily="50" charset="-127"/>
+                <a:ea typeface="나눔바른펜" panose="020B0503000000000000" pitchFamily="50" charset="-127"/>
+              </a:rPr>
+              <a:t>-&gt; </a:t>
+            </a:r>
+            <a:r>
+              <a:rPr lang="en-US" altLang="ko-KR" u="sng" dirty="0" smtClean="0">
+                <a:latin typeface="나눔바른펜" panose="020B0503000000000000" pitchFamily="50" charset="-127"/>
+                <a:ea typeface="나눔바른펜" panose="020B0503000000000000" pitchFamily="50" charset="-127"/>
+              </a:rPr>
+              <a:t>wife</a:t>
+            </a:r>
+            <a:r>
+              <a:rPr lang="ko-KR" altLang="en-US" u="sng" dirty="0" smtClean="0">
+                <a:latin typeface="나눔바른펜" panose="020B0503000000000000" pitchFamily="50" charset="-127"/>
+                <a:ea typeface="나눔바른펜" panose="020B0503000000000000" pitchFamily="50" charset="-127"/>
+              </a:rPr>
+              <a:t>약</a:t>
+            </a:r>
+            <a:r>
+              <a:rPr lang="ko-KR" altLang="en-US" u="sng" dirty="0" smtClean="0">
+                <a:latin typeface="나눔바른펜" panose="020B0503000000000000" pitchFamily="50" charset="-127"/>
+                <a:ea typeface="나눔바른펜" panose="020B0503000000000000" pitchFamily="50" charset="-127"/>
+              </a:rPr>
               <a:t> </a:t>
-            </a:r>
-            <a:r>
-              <a:rPr lang="ko-KR" altLang="en-US" dirty="0">
-                <a:latin typeface="나눔바른펜" panose="020B0503000000000000" pitchFamily="50" charset="-127"/>
-                <a:ea typeface="나눔바른펜" panose="020B0503000000000000" pitchFamily="50" charset="-127"/>
-              </a:rPr>
-              <a:t>: </a:t>
-            </a:r>
-            <a:r>
-              <a:rPr lang="en-US" altLang="ko-KR" dirty="0" smtClean="0">
-                <a:latin typeface="나눔바른펜" panose="020B0503000000000000" pitchFamily="50" charset="-127"/>
-                <a:ea typeface="나눔바른펜" panose="020B0503000000000000" pitchFamily="50" charset="-127"/>
-              </a:rPr>
-              <a:t>wife </a:t>
-            </a:r>
-            <a:r>
-              <a:rPr lang="ko-KR" altLang="en-US" dirty="0" smtClean="0">
-                <a:latin typeface="나눔바른펜" panose="020B0503000000000000" pitchFamily="50" charset="-127"/>
-                <a:ea typeface="나눔바른펜" panose="020B0503000000000000" pitchFamily="50" charset="-127"/>
-              </a:rPr>
-              <a:t>방 </a:t>
-            </a:r>
-            <a:r>
-              <a:rPr lang="en-US" altLang="ko-KR" dirty="0" smtClean="0">
-                <a:latin typeface="나눔바른펜" panose="020B0503000000000000" pitchFamily="50" charset="-127"/>
-                <a:ea typeface="나눔바른펜" panose="020B0503000000000000" pitchFamily="50" charset="-127"/>
-              </a:rPr>
-              <a:t>-&gt; </a:t>
-            </a:r>
-            <a:r>
-              <a:rPr lang="en-US" altLang="ko-KR" u="sng" dirty="0" smtClean="0">
-                <a:latin typeface="나눔바른펜" panose="020B0503000000000000" pitchFamily="50" charset="-127"/>
-                <a:ea typeface="나눔바른펜" panose="020B0503000000000000" pitchFamily="50" charset="-127"/>
-              </a:rPr>
-              <a:t>wife</a:t>
-            </a:r>
-            <a:r>
-              <a:rPr lang="ko-KR" altLang="en-US" u="sng" dirty="0" smtClean="0">
-                <a:latin typeface="나눔바른펜" panose="020B0503000000000000" pitchFamily="50" charset="-127"/>
-                <a:ea typeface="나눔바른펜" panose="020B0503000000000000" pitchFamily="50" charset="-127"/>
-              </a:rPr>
-              <a:t>스킬 </a:t>
             </a:r>
             <a:r>
               <a:rPr lang="en-US" altLang="ko-KR" u="sng" dirty="0" smtClean="0">
@@ -6597,10 +6580,17 @@
                 <a:latin typeface="나눔바른펜" panose="020B0503000000000000" pitchFamily="50" charset="-127"/>
                 <a:ea typeface="나눔바른펜" panose="020B0503000000000000" pitchFamily="50" charset="-127"/>
               </a:rPr>
-              <a:t>딸 스킬</a:t>
-            </a:r>
-            <a:r>
-              <a:rPr lang="en-US" altLang="ko-KR" u="sng" dirty="0">
+              <a:t>딸 </a:t>
+            </a:r>
+            <a:r>
+              <a:rPr lang="ko-KR" altLang="en-US" u="sng" dirty="0" smtClean="0">
+                <a:latin typeface="나눔바른펜" panose="020B0503000000000000" pitchFamily="50" charset="-127"/>
+                <a:ea typeface="나눔바른펜" panose="020B0503000000000000" pitchFamily="50" charset="-127"/>
+              </a:rPr>
+              <a:t>약</a:t>
+            </a:r>
+            <a:r>
+              <a:rPr lang="en-US" altLang="ko-KR" u="sng" dirty="0" smtClean="0">
                 <a:latin typeface="나눔바른펜" panose="020B0503000000000000" pitchFamily="50" charset="-127"/>
                 <a:ea typeface="나눔바른펜" panose="020B0503000000000000" pitchFamily="50" charset="-127"/>
               </a:rPr>
@@ -6631,8 +6621,32 @@
                 <a:latin typeface="나눔바른펜" panose="020B0503000000000000" pitchFamily="50" charset="-127"/>
                 <a:ea typeface="나눔바른펜" panose="020B0503000000000000" pitchFamily="50" charset="-127"/>
               </a:rPr>
-              <a:t>의 모습일 때 에만 딸 스킬</a:t>
-            </a:r>
+              <a:t>의 모습일 때 에만 </a:t>
+            </a:r>
+            <a:r>
+              <a:rPr lang="ko-KR" altLang="en-US" dirty="0" err="1" smtClean="0">
+                <a:latin typeface="나눔바른펜" panose="020B0503000000000000" pitchFamily="50" charset="-127"/>
+                <a:ea typeface="나눔바른펜" panose="020B0503000000000000" pitchFamily="50" charset="-127"/>
+              </a:rPr>
+              <a:t>딸</a:t>
+            </a:r>
+            <a:r>
+              <a:rPr lang="ko-KR" altLang="en-US" dirty="0" err="1" smtClean="0">
+                <a:latin typeface="나눔바른펜" panose="020B0503000000000000" pitchFamily="50" charset="-127"/>
+                <a:ea typeface="나눔바른펜" panose="020B0503000000000000" pitchFamily="50" charset="-127"/>
+              </a:rPr>
+              <a:t>약</a:t>
+            </a:r>
+            <a:endParaRPr lang="en-US" altLang="ko-KR" dirty="0" smtClean="0">
+              <a:latin typeface="나눔바른펜" panose="020B0503000000000000" pitchFamily="50" charset="-127"/>
+              <a:ea typeface="나눔바른펜" panose="020B0503000000000000" pitchFamily="50" charset="-127"/>
+            </a:endParaRPr>
+          </a:p>
+          <a:p>
+            <a:pPr>
+              <a:buNone/>
+              <a:defRPr lang="ko-KR" altLang="en-US"/>
+            </a:pPr>
             <a:r>
               <a:rPr lang="en-US" altLang="ko-KR" dirty="0" smtClean="0">
                 <a:latin typeface="나눔바른펜" panose="020B0503000000000000" pitchFamily="50" charset="-127"/>
@@ -6734,10 +6748,45 @@
                 <a:latin typeface="나눔바른펜" panose="020B0503000000000000" pitchFamily="50" charset="-127"/>
                 <a:ea typeface="나눔바른펜" panose="020B0503000000000000" pitchFamily="50" charset="-127"/>
               </a:rPr>
-              <a:t>경비원</a:t>
-            </a:r>
-            <a:r>
-              <a:rPr lang="ko-KR" altLang="en-US" dirty="0">
+              <a:t>차단기 </a:t>
+            </a:r>
+            <a:r>
+              <a:rPr lang="en-US" altLang="ko-KR" dirty="0" smtClean="0">
+                <a:latin typeface="나눔바른펜" panose="020B0503000000000000" pitchFamily="50" charset="-127"/>
+                <a:ea typeface="나눔바른펜" panose="020B0503000000000000" pitchFamily="50" charset="-127"/>
+              </a:rPr>
+              <a:t>-&gt; </a:t>
+            </a:r>
+            <a:r>
+              <a:rPr lang="ko-KR" altLang="en-US" dirty="0" smtClean="0">
+                <a:latin typeface="나눔바른펜" panose="020B0503000000000000" pitchFamily="50" charset="-127"/>
+                <a:ea typeface="나눔바른펜" panose="020B0503000000000000" pitchFamily="50" charset="-127"/>
+              </a:rPr>
+              <a:t>보스방과 </a:t>
+            </a:r>
+            <a:r>
+              <a:rPr lang="en-US" altLang="ko-KR" dirty="0" smtClean="0">
+                <a:latin typeface="나눔바른펜" panose="020B0503000000000000" pitchFamily="50" charset="-127"/>
+                <a:ea typeface="나눔바른펜" panose="020B0503000000000000" pitchFamily="50" charset="-127"/>
+              </a:rPr>
+              <a:t>1</a:t>
+            </a:r>
+            <a:r>
+              <a:rPr lang="ko-KR" altLang="en-US" dirty="0" smtClean="0">
+                <a:latin typeface="나눔바른펜" panose="020B0503000000000000" pitchFamily="50" charset="-127"/>
+                <a:ea typeface="나눔바른펜" panose="020B0503000000000000" pitchFamily="50" charset="-127"/>
+              </a:rPr>
+              <a:t>층으로 </a:t>
+            </a:r>
+            <a:r>
+              <a:rPr lang="ko-KR" altLang="en-US" dirty="0" err="1" smtClean="0">
+                <a:latin typeface="나눔바른펜" panose="020B0503000000000000" pitchFamily="50" charset="-127"/>
+                <a:ea typeface="나눔바른펜" panose="020B0503000000000000" pitchFamily="50" charset="-127"/>
+              </a:rPr>
+              <a:t>나눠져있음</a:t>
+            </a:r>
+            <a:r>
+              <a:rPr lang="ko-KR" altLang="en-US" dirty="0" smtClean="0">
                 <a:latin typeface="나눔바른펜" panose="020B0503000000000000" pitchFamily="50" charset="-127"/>
                 <a:ea typeface="나눔바른펜" panose="020B0503000000000000" pitchFamily="50" charset="-127"/>
               </a:rPr>
@@ -6748,35 +6797,45 @@
                 <a:latin typeface="나눔바른펜" panose="020B0503000000000000" pitchFamily="50" charset="-127"/>
                 <a:ea typeface="나눔바른펜" panose="020B0503000000000000" pitchFamily="50" charset="-127"/>
               </a:rPr>
-              <a:t>-&gt;</a:t>
+              <a:t>(1</a:t>
             </a:r>
             <a:r>
               <a:rPr lang="ko-KR" altLang="en-US" dirty="0" smtClean="0">
                 <a:latin typeface="나눔바른펜" panose="020B0503000000000000" pitchFamily="50" charset="-127"/>
                 <a:ea typeface="나눔바른펜" panose="020B0503000000000000" pitchFamily="50" charset="-127"/>
               </a:rPr>
-              <a:t>♫</a:t>
-            </a:r>
-            <a:r>
-              <a:rPr lang="ko-KR" altLang="en-US" dirty="0">
+              <a:t>층 방을 </a:t>
+            </a:r>
+            <a:r>
+              <a:rPr lang="ko-KR" altLang="en-US" dirty="0" err="1" smtClean="0">
+                <a:latin typeface="나눔바른펜" panose="020B0503000000000000" pitchFamily="50" charset="-127"/>
+                <a:ea typeface="나눔바른펜" panose="020B0503000000000000" pitchFamily="50" charset="-127"/>
+              </a:rPr>
+              <a:t>클릭했을때</a:t>
+            </a:r>
+            <a:r>
+              <a:rPr lang="ko-KR" altLang="en-US" dirty="0" smtClean="0">
                 <a:latin typeface="나눔바른펜" panose="020B0503000000000000" pitchFamily="50" charset="-127"/>
                 <a:ea typeface="나눔바른펜" panose="020B0503000000000000" pitchFamily="50" charset="-127"/>
               </a:rPr>
               <a:t> </a:t>
             </a:r>
             <a:r>
-              <a:rPr lang="ko-KR" altLang="en-US" dirty="0" err="1" smtClean="0">
-                <a:latin typeface="나눔바른펜" panose="020B0503000000000000" pitchFamily="50" charset="-127"/>
-                <a:ea typeface="나눔바른펜" panose="020B0503000000000000" pitchFamily="50" charset="-127"/>
-              </a:rPr>
-              <a:t>경보음을</a:t>
-            </a:r>
-            <a:r>
-              <a:rPr lang="ko-KR" altLang="en-US" dirty="0" smtClean="0">
-                <a:latin typeface="나눔바른펜" panose="020B0503000000000000" pitchFamily="50" charset="-127"/>
-                <a:ea typeface="나눔바른펜" panose="020B0503000000000000" pitchFamily="50" charset="-127"/>
-              </a:rPr>
-              <a:t> 통해 유인</a:t>
+              <a:rPr lang="en-US" altLang="ko-KR" dirty="0" smtClean="0">
+                <a:solidFill>
+                  <a:srgbClr val="FF0000"/>
+                </a:solidFill>
+                <a:latin typeface="나눔바른펜" panose="020B0503000000000000" pitchFamily="50" charset="-127"/>
+                <a:ea typeface="나눔바른펜" panose="020B0503000000000000" pitchFamily="50" charset="-127"/>
+              </a:rPr>
+              <a:t>Game Over</a:t>
+            </a:r>
+            <a:r>
+              <a:rPr lang="en-US" altLang="ko-KR" dirty="0" smtClean="0">
+                <a:latin typeface="나눔바른펜" panose="020B0503000000000000" pitchFamily="50" charset="-127"/>
+                <a:ea typeface="나눔바른펜" panose="020B0503000000000000" pitchFamily="50" charset="-127"/>
+              </a:rPr>
+              <a:t>)</a:t>
             </a:r>
             <a:endParaRPr lang="ko-KR" altLang="en-US" dirty="0">
               <a:latin typeface="나눔바른펜" panose="020B0503000000000000" pitchFamily="50" charset="-127"/>
@@ -7044,7 +7103,7 @@
           <a:blip r:embed="rId6">
             <a:extLst>
               <a:ext uri="{28A0092B-C50C-407E-A947-70E740481C1C}">
-                <a14:useLocalDpi xmlns:a14="http://schemas.microsoft.com/office/drawing/2010/main" val="0"/>
+                <a14:useLocalDpi xmlns:a14="http://schemas.microsoft.com/office/drawing/2010/main" xmlns="" val="0"/>
               </a:ext>
             </a:extLst>
           </a:blip>
@@ -7064,7 +7123,7 @@
           <a:noFill/>
           <a:extLst>
             <a:ext uri="{909E8E84-426E-40DD-AFC4-6F175D3DCCD1}">
-              <a14:hiddenFill xmlns:a14="http://schemas.microsoft.com/office/drawing/2010/main">
+              <a14:hiddenFill xmlns:a14="http://schemas.microsoft.com/office/drawing/2010/main" xmlns="">
                 <a:solidFill>
                   <a:srgbClr val="FFFFFF"/>
                 </a:solidFill>
@@ -7134,7 +7193,7 @@
           <a:blip r:embed="rId7">
             <a:extLst>
               <a:ext uri="{28A0092B-C50C-407E-A947-70E740481C1C}">
-                <a14:useLocalDpi xmlns:a14="http://schemas.microsoft.com/office/drawing/2010/main" val="0"/>
+                <a14:useLocalDpi xmlns:a14="http://schemas.microsoft.com/office/drawing/2010/main" xmlns="" val="0"/>
               </a:ext>
             </a:extLst>
           </a:blip>
@@ -7154,7 +7213,7 @@
           <a:noFill/>
           <a:extLst>
             <a:ext uri="{909E8E84-426E-40DD-AFC4-6F175D3DCCD1}">
-              <a14:hiddenFill xmlns:a14="http://schemas.microsoft.com/office/drawing/2010/main">
+              <a14:hiddenFill xmlns:a14="http://schemas.microsoft.com/office/drawing/2010/main" xmlns="">
                 <a:solidFill>
                   <a:srgbClr val="FFFFFF"/>
                 </a:solidFill>
@@ -7198,40 +7257,16 @@
           </a:p>
         </p:txBody>
       </p:sp>
-      <p:pic>
-        <p:nvPicPr>
-          <p:cNvPr id="36" name="그림 35"/>
-          <p:cNvPicPr>
-            <a:picLocks noChangeAspect="1"/>
-          </p:cNvPicPr>
-          <p:nvPr/>
-        </p:nvPicPr>
-        <p:blipFill rotWithShape="1">
-          <a:blip r:embed="rId5"/>
-          <a:stretch>
-            <a:fillRect/>
-          </a:stretch>
-        </p:blipFill>
-        <p:spPr>
-          <a:xfrm>
-            <a:off x="3955371" y="2003675"/>
-            <a:ext cx="359410" cy="382352"/>
-          </a:xfrm>
-          <a:prstGeom prst="rect">
-            <a:avLst/>
-          </a:prstGeom>
-        </p:spPr>
-      </p:pic>
-      <p:sp>
-        <p:nvSpPr>
-          <p:cNvPr id="10" name="직사각형 9"/>
+      <p:sp>
+        <p:nvSpPr>
+          <p:cNvPr id="3" name="직사각형 2"/>
           <p:cNvSpPr/>
           <p:nvPr/>
         </p:nvSpPr>
         <p:spPr>
           <a:xfrm>
-            <a:off x="3760993" y="1887993"/>
-            <a:ext cx="369012" cy="369332"/>
+            <a:off x="3705722" y="465664"/>
+            <a:ext cx="360996" cy="369332"/>
           </a:xfrm>
           <a:prstGeom prst="rect">
             <a:avLst/>
@@ -7244,51 +7279,12 @@
           <a:lstStyle/>
           <a:p>
             <a:r>
-              <a:rPr lang="en-US" altLang="ko-KR" dirty="0">
-                <a:latin typeface="나눔바른펜" panose="020B0503000000000000" pitchFamily="50" charset="-127"/>
-                <a:ea typeface="나눔바른펜" panose="020B0503000000000000" pitchFamily="50" charset="-127"/>
-              </a:rPr>
-              <a:t>⑥</a:t>
-            </a:r>
-            <a:endParaRPr lang="ko-KR" altLang="en-US" dirty="0">
-              <a:latin typeface="나눔바른펜" panose="020B0503000000000000" pitchFamily="50" charset="-127"/>
-              <a:ea typeface="나눔바른펜" panose="020B0503000000000000" pitchFamily="50" charset="-127"/>
-            </a:endParaRPr>
-          </a:p>
-        </p:txBody>
-      </p:sp>
-      <p:sp>
-        <p:nvSpPr>
-          <p:cNvPr id="3" name="직사각형 2"/>
-          <p:cNvSpPr/>
-          <p:nvPr/>
-        </p:nvSpPr>
-        <p:spPr>
-          <a:xfrm>
-            <a:off x="3705722" y="465664"/>
-            <a:ext cx="360996" cy="369332"/>
-          </a:xfrm>
-          <a:prstGeom prst="rect">
-            <a:avLst/>
-          </a:prstGeom>
-        </p:spPr>
-        <p:txBody>
-          <a:bodyPr wrap="none">
-            <a:spAutoFit/>
-          </a:bodyPr>
-          <a:lstStyle/>
-          <a:p>
-            <a:r>
               <a:rPr lang="ko-KR" altLang="en-US" dirty="0">
                 <a:latin typeface="나눔바른펜" panose="020B0503000000000000" pitchFamily="50" charset="-127"/>
                 <a:ea typeface="나눔바른펜" panose="020B0503000000000000" pitchFamily="50" charset="-127"/>
               </a:rPr>
               <a:t>♫</a:t>
             </a:r>
-            <a:endParaRPr lang="ko-KR" altLang="en-US" dirty="0">
-              <a:latin typeface="나눔바른펜" panose="020B0503000000000000" pitchFamily="50" charset="-127"/>
-              <a:ea typeface="나눔바른펜" panose="020B0503000000000000" pitchFamily="50" charset="-127"/>
-            </a:endParaRPr>
           </a:p>
         </p:txBody>
       </p:sp>
@@ -7362,10 +7358,40 @@
           </a:fontRef>
         </p:style>
       </p:cxnSp>
+      <p:sp>
+        <p:nvSpPr>
+          <p:cNvPr id="26" name="TextBox 25"/>
+          <p:cNvSpPr txBox="1"/>
+          <p:nvPr/>
+        </p:nvSpPr>
+        <p:spPr>
+          <a:xfrm>
+            <a:off x="2987824" y="1383618"/>
+            <a:ext cx="415498" cy="369332"/>
+          </a:xfrm>
+          <a:prstGeom prst="rect">
+            <a:avLst/>
+          </a:prstGeom>
+          <a:noFill/>
+        </p:spPr>
+        <p:txBody>
+          <a:bodyPr wrap="none" rtlCol="0">
+            <a:spAutoFit/>
+          </a:bodyPr>
+          <a:lstStyle/>
+          <a:p>
+            <a:r>
+              <a:rPr lang="ko-KR" altLang="en-US" dirty="0" smtClean="0"/>
+              <a:t>⑥</a:t>
+            </a:r>
+            <a:endParaRPr lang="ko-KR" altLang="en-US" dirty="0"/>
+          </a:p>
+        </p:txBody>
+      </p:sp>
     </p:spTree>
     <p:extLst>
       <p:ext uri="{BB962C8B-B14F-4D97-AF65-F5344CB8AC3E}">
-        <p14:creationId xmlns:p14="http://schemas.microsoft.com/office/powerpoint/2010/main" val="347042898"/>
+        <p14:creationId xmlns:p14="http://schemas.microsoft.com/office/powerpoint/2010/main" xmlns="" val="347042898"/>
       </p:ext>
     </p:extLst>
   </p:cSld>
@@ -7636,7 +7662,7 @@
             <a:lum/>
             <a:extLst>
               <a:ext uri="783A4284-B454-46f5-B8C8-42B5039CE256">
-                <hp:hncPhoto xmlns:hp="http://schemas.haansoft.com/office/presentation/8.0" xmlns:dsp="http://schemas.microsoft.com/office/drawing/2008/diagram" xmlns:dgm="http://schemas.openxmlformats.org/drawingml/2006/diagram" xmlns:c="http://schemas.openxmlformats.org/drawingml/2006/chart" xmlns="">
+                <hp:hncPhoto xmlns="" xmlns:c="http://schemas.openxmlformats.org/drawingml/2006/chart" xmlns:dgm="http://schemas.openxmlformats.org/drawingml/2006/diagram" xmlns:dsp="http://schemas.microsoft.com/office/drawing/2008/diagram" xmlns:hp="http://schemas.haansoft.com/office/presentation/8.0">
                   <hd:imgLayer xmlns:hd="http://schemas.haansoft.com/office/drawingml/8.0" r:embed="rId4">
                     <hd:imgEffect xmlns:hd="http://schemas.haansoft.com/office/drawingml/8.0">
                       <hd:artEffectSoftPortrait trans="10000"/>
@@ -7772,7 +7798,14 @@
                 <a:latin typeface="나눔바른펜" panose="020B0503000000000000" pitchFamily="50" charset="-127"/>
                 <a:ea typeface="나눔바른펜" panose="020B0503000000000000" pitchFamily="50" charset="-127"/>
               </a:rPr>
-              <a:t>주인공 원래 얼굴 일 때 단서 제공</a:t>
+              <a:t>주인공 원래 얼굴 일 때 단서 </a:t>
+            </a:r>
+            <a:r>
+              <a:rPr lang="ko-KR" altLang="en-US" dirty="0" smtClean="0">
+                <a:latin typeface="나눔바른펜" panose="020B0503000000000000" pitchFamily="50" charset="-127"/>
+                <a:ea typeface="나눔바른펜" panose="020B0503000000000000" pitchFamily="50" charset="-127"/>
+              </a:rPr>
+              <a:t>제공</a:t>
             </a:r>
             <a:endParaRPr lang="en-US" altLang="ko-KR" dirty="0" smtClean="0">
               <a:latin typeface="나눔바른펜" panose="020B0503000000000000" pitchFamily="50" charset="-127"/>
@@ -7790,28 +7823,31 @@
                 <a:latin typeface="나눔바른펜" panose="020B0503000000000000" pitchFamily="50" charset="-127"/>
                 <a:ea typeface="나눔바른펜" panose="020B0503000000000000" pitchFamily="50" charset="-127"/>
               </a:rPr>
-              <a:t>-&gt; </a:t>
+              <a:t>(</a:t>
             </a:r>
             <a:r>
               <a:rPr lang="ko-KR" altLang="en-US" dirty="0" smtClean="0">
                 <a:latin typeface="나눔바른펜" panose="020B0503000000000000" pitchFamily="50" charset="-127"/>
                 <a:ea typeface="나눔바른펜" panose="020B0503000000000000" pitchFamily="50" charset="-127"/>
               </a:rPr>
-              <a:t>말단연구원</a:t>
+              <a:t>주인공과 한번 말한 후 바로 조력자 </a:t>
             </a:r>
             <a:r>
               <a:rPr lang="en-US" altLang="ko-KR" dirty="0" smtClean="0">
-                <a:latin typeface="나눔바른펜" panose="020B0503000000000000" pitchFamily="50" charset="-127"/>
-                <a:ea typeface="나눔바른펜" panose="020B0503000000000000" pitchFamily="50" charset="-127"/>
-              </a:rPr>
-              <a:t>, Wife, </a:t>
-            </a:r>
-            <a:r>
-              <a:rPr lang="ko-KR" altLang="en-US" dirty="0" smtClean="0">
-                <a:latin typeface="나눔바른펜" panose="020B0503000000000000" pitchFamily="50" charset="-127"/>
-                <a:ea typeface="나눔바른펜" panose="020B0503000000000000" pitchFamily="50" charset="-127"/>
-              </a:rPr>
-              <a:t>딸 일 때에는 무반응</a:t>
+                <a:solidFill>
+                  <a:srgbClr val="FF0000"/>
+                </a:solidFill>
+                <a:latin typeface="나눔바른펜" panose="020B0503000000000000" pitchFamily="50" charset="-127"/>
+                <a:ea typeface="나눔바른펜" panose="020B0503000000000000" pitchFamily="50" charset="-127"/>
+              </a:rPr>
+              <a:t>Die</a:t>
+            </a:r>
+            <a:r>
+              <a:rPr lang="en-US" altLang="ko-KR" dirty="0" smtClean="0">
+                <a:latin typeface="나눔바른펜" panose="020B0503000000000000" pitchFamily="50" charset="-127"/>
+                <a:ea typeface="나눔바른펜" panose="020B0503000000000000" pitchFamily="50" charset="-127"/>
+              </a:rPr>
+              <a:t>)</a:t>
             </a:r>
             <a:endParaRPr lang="en-US" altLang="ko-KR" dirty="0" smtClean="0">
               <a:latin typeface="나눔바른펜" panose="020B0503000000000000" pitchFamily="50" charset="-127"/>
@@ -7824,6 +7860,34 @@
               <a:buNone/>
               <a:defRPr lang="ko-KR" altLang="en-US"/>
             </a:pPr>
+            <a:r>
+              <a:rPr lang="en-US" altLang="ko-KR" dirty="0" smtClean="0">
+                <a:latin typeface="나눔바른펜" panose="020B0503000000000000" pitchFamily="50" charset="-127"/>
+                <a:ea typeface="나눔바른펜" panose="020B0503000000000000" pitchFamily="50" charset="-127"/>
+              </a:rPr>
+              <a:t>-&gt; </a:t>
+            </a:r>
+            <a:r>
+              <a:rPr lang="ko-KR" altLang="en-US" dirty="0" smtClean="0">
+                <a:latin typeface="나눔바른펜" panose="020B0503000000000000" pitchFamily="50" charset="-127"/>
+                <a:ea typeface="나눔바른펜" panose="020B0503000000000000" pitchFamily="50" charset="-127"/>
+              </a:rPr>
+              <a:t>말단연구원일 </a:t>
+            </a:r>
+            <a:r>
+              <a:rPr lang="ko-KR" altLang="en-US" dirty="0" smtClean="0">
+                <a:latin typeface="나눔바른펜" panose="020B0503000000000000" pitchFamily="50" charset="-127"/>
+                <a:ea typeface="나눔바른펜" panose="020B0503000000000000" pitchFamily="50" charset="-127"/>
+              </a:rPr>
+              <a:t>때에는 </a:t>
+            </a:r>
+            <a:r>
+              <a:rPr lang="ko-KR" altLang="en-US" dirty="0" smtClean="0">
+                <a:latin typeface="나눔바른펜" panose="020B0503000000000000" pitchFamily="50" charset="-127"/>
+                <a:ea typeface="나눔바른펜" panose="020B0503000000000000" pitchFamily="50" charset="-127"/>
+              </a:rPr>
+              <a:t>무반응</a:t>
+            </a:r>
             <a:endParaRPr lang="en-US" altLang="ko-KR" dirty="0">
               <a:latin typeface="나눔바른펜" panose="020B0503000000000000" pitchFamily="50" charset="-127"/>
               <a:ea typeface="나눔바른펜" panose="020B0503000000000000" pitchFamily="50" charset="-127"/>
@@ -7833,55 +7897,6 @@
             <a:pPr>
               <a:defRPr lang="ko-KR" altLang="en-US"/>
             </a:pPr>
-            <a:r>
-              <a:rPr lang="en-US" altLang="ko-KR" dirty="0" smtClean="0">
-                <a:latin typeface="나눔바른펜" panose="020B0503000000000000" pitchFamily="50" charset="-127"/>
-                <a:ea typeface="나눔바른펜" panose="020B0503000000000000" pitchFamily="50" charset="-127"/>
-              </a:rPr>
-              <a:t># </a:t>
-            </a:r>
-            <a:r>
-              <a:rPr lang="en-US" altLang="ko-KR" dirty="0">
-                <a:latin typeface="나눔바른펜"/>
-                <a:ea typeface="나눔바른펜"/>
-              </a:rPr>
-              <a:t>③ </a:t>
-            </a:r>
-            <a:r>
-              <a:rPr lang="en-US" altLang="ko-KR" dirty="0" smtClean="0">
-                <a:latin typeface="나눔바른펜"/>
-                <a:ea typeface="나눔바른펜"/>
-              </a:rPr>
-              <a:t>wife</a:t>
-            </a:r>
-            <a:r>
-              <a:rPr lang="en-US" altLang="ko-KR" dirty="0" smtClean="0">
-                <a:latin typeface="나눔바른펜" panose="020B0503000000000000" pitchFamily="50" charset="-127"/>
-                <a:ea typeface="나눔바른펜" panose="020B0503000000000000" pitchFamily="50" charset="-127"/>
-              </a:rPr>
-              <a:t> </a:t>
-            </a:r>
-            <a:r>
-              <a:rPr lang="ko-KR" altLang="en-US" dirty="0" smtClean="0">
-                <a:latin typeface="나눔바른펜" panose="020B0503000000000000" pitchFamily="50" charset="-127"/>
-                <a:ea typeface="나눔바른펜" panose="020B0503000000000000" pitchFamily="50" charset="-127"/>
-              </a:rPr>
-              <a:t>에게 </a:t>
-            </a:r>
-            <a:r>
-              <a:rPr lang="en-US" altLang="ko-KR" dirty="0" smtClean="0">
-                <a:latin typeface="나눔바른펜" panose="020B0503000000000000" pitchFamily="50" charset="-127"/>
-                <a:ea typeface="나눔바른펜" panose="020B0503000000000000" pitchFamily="50" charset="-127"/>
-              </a:rPr>
-              <a:t>wife</a:t>
-            </a:r>
-            <a:r>
-              <a:rPr lang="ko-KR" altLang="en-US" dirty="0" smtClean="0">
-                <a:latin typeface="나눔바른펜" panose="020B0503000000000000" pitchFamily="50" charset="-127"/>
-                <a:ea typeface="나눔바른펜" panose="020B0503000000000000" pitchFamily="50" charset="-127"/>
-              </a:rPr>
-              <a:t>스킬 얻기 위해서</a:t>
-            </a:r>
             <a:endParaRPr lang="en-US" altLang="ko-KR" dirty="0" smtClean="0">
               <a:latin typeface="나눔바른펜" panose="020B0503000000000000" pitchFamily="50" charset="-127"/>
               <a:ea typeface="나눔바른펜" panose="020B0503000000000000" pitchFamily="50" charset="-127"/>
@@ -7896,21 +7911,49 @@
                 <a:latin typeface="나눔바른펜" panose="020B0503000000000000" pitchFamily="50" charset="-127"/>
                 <a:ea typeface="나눔바른펜" panose="020B0503000000000000" pitchFamily="50" charset="-127"/>
               </a:rPr>
-              <a:t>-&gt; </a:t>
-            </a:r>
-            <a:r>
-              <a:rPr lang="ko-KR" altLang="en-US" dirty="0">
-                <a:latin typeface="나눔바른펜" panose="020B0503000000000000" pitchFamily="50" charset="-127"/>
-                <a:ea typeface="나눔바른펜" panose="020B0503000000000000" pitchFamily="50" charset="-127"/>
-              </a:rPr>
-              <a:t>주인공 원래 얼굴 일 때 단서 </a:t>
+              <a:t># </a:t>
+            </a:r>
+            <a:r>
+              <a:rPr lang="en-US" altLang="ko-KR" dirty="0">
+                <a:latin typeface="나눔바른펜"/>
+                <a:ea typeface="나눔바른펜"/>
+              </a:rPr>
+              <a:t>③ </a:t>
+            </a:r>
+            <a:r>
+              <a:rPr lang="en-US" altLang="ko-KR" dirty="0" smtClean="0">
+                <a:latin typeface="나눔바른펜"/>
+                <a:ea typeface="나눔바른펜"/>
+              </a:rPr>
+              <a:t>wife</a:t>
+            </a:r>
+            <a:r>
+              <a:rPr lang="en-US" altLang="ko-KR" dirty="0" smtClean="0">
+                <a:latin typeface="나눔바른펜" panose="020B0503000000000000" pitchFamily="50" charset="-127"/>
+                <a:ea typeface="나눔바른펜" panose="020B0503000000000000" pitchFamily="50" charset="-127"/>
+              </a:rPr>
+              <a:t> </a:t>
             </a:r>
             <a:r>
               <a:rPr lang="ko-KR" altLang="en-US" dirty="0" smtClean="0">
                 <a:latin typeface="나눔바른펜" panose="020B0503000000000000" pitchFamily="50" charset="-127"/>
                 <a:ea typeface="나눔바른펜" panose="020B0503000000000000" pitchFamily="50" charset="-127"/>
               </a:rPr>
-              <a:t>제공</a:t>
+              <a:t>에게 </a:t>
+            </a:r>
+            <a:r>
+              <a:rPr lang="en-US" altLang="ko-KR" dirty="0" smtClean="0">
+                <a:latin typeface="나눔바른펜" panose="020B0503000000000000" pitchFamily="50" charset="-127"/>
+                <a:ea typeface="나눔바른펜" panose="020B0503000000000000" pitchFamily="50" charset="-127"/>
+              </a:rPr>
+              <a:t>wife</a:t>
+            </a:r>
+            <a:r>
+              <a:rPr lang="ko-KR" altLang="en-US" dirty="0" smtClean="0">
+                <a:latin typeface="나눔바른펜" panose="020B0503000000000000" pitchFamily="50" charset="-127"/>
+                <a:ea typeface="나눔바른펜" panose="020B0503000000000000" pitchFamily="50" charset="-127"/>
+              </a:rPr>
+              <a:t>스킬 얻기 위해서</a:t>
             </a:r>
             <a:endParaRPr lang="en-US" altLang="ko-KR" dirty="0" smtClean="0">
               <a:latin typeface="나눔바른펜" panose="020B0503000000000000" pitchFamily="50" charset="-127"/>
@@ -7923,8 +7966,8 @@
             </a:pPr>
             <a:r>
               <a:rPr lang="en-US" altLang="ko-KR" dirty="0" smtClean="0">
-                <a:latin typeface="나눔바른펜"/>
-                <a:ea typeface="나눔바른펜"/>
+                <a:latin typeface="나눔바른펜" panose="020B0503000000000000" pitchFamily="50" charset="-127"/>
+                <a:ea typeface="나눔바른펜" panose="020B0503000000000000" pitchFamily="50" charset="-127"/>
               </a:rPr>
               <a:t>-&gt; </a:t>
             </a:r>
@@ -7933,26 +7976,127 @@
                 <a:latin typeface="나눔바른펜" panose="020B0503000000000000" pitchFamily="50" charset="-127"/>
                 <a:ea typeface="나눔바른펜" panose="020B0503000000000000" pitchFamily="50" charset="-127"/>
               </a:rPr>
-              <a:t>말단연구원</a:t>
-            </a:r>
-            <a:r>
-              <a:rPr lang="en-US" altLang="ko-KR" dirty="0">
+              <a:t>조력</a:t>
+            </a:r>
+            <a:r>
+              <a:rPr lang="ko-KR" altLang="en-US" dirty="0" smtClean="0">
+                <a:latin typeface="나눔바른펜" panose="020B0503000000000000" pitchFamily="50" charset="-127"/>
+                <a:ea typeface="나눔바른펜" panose="020B0503000000000000" pitchFamily="50" charset="-127"/>
+              </a:rPr>
+              <a:t>자</a:t>
+            </a:r>
+            <a:r>
+              <a:rPr lang="ko-KR" altLang="en-US" dirty="0" smtClean="0">
                 <a:latin typeface="나눔바른펜" panose="020B0503000000000000" pitchFamily="50" charset="-127"/>
                 <a:ea typeface="나눔바른펜" panose="020B0503000000000000" pitchFamily="50" charset="-127"/>
               </a:rPr>
               <a:t> </a:t>
             </a:r>
             <a:r>
+              <a:rPr lang="ko-KR" altLang="en-US" dirty="0">
+                <a:latin typeface="나눔바른펜" panose="020B0503000000000000" pitchFamily="50" charset="-127"/>
+                <a:ea typeface="나눔바른펜" panose="020B0503000000000000" pitchFamily="50" charset="-127"/>
+              </a:rPr>
+              <a:t>얼굴 일 때 </a:t>
+            </a:r>
+            <a:r>
               <a:rPr lang="ko-KR" altLang="en-US" dirty="0" smtClean="0">
                 <a:latin typeface="나눔바른펜" panose="020B0503000000000000" pitchFamily="50" charset="-127"/>
                 <a:ea typeface="나눔바른펜" panose="020B0503000000000000" pitchFamily="50" charset="-127"/>
               </a:rPr>
-              <a:t>일 때에는  무반응</a:t>
+              <a:t>약</a:t>
+            </a:r>
+            <a:r>
+              <a:rPr lang="ko-KR" altLang="en-US" dirty="0" smtClean="0">
+                <a:latin typeface="나눔바른펜" panose="020B0503000000000000" pitchFamily="50" charset="-127"/>
+                <a:ea typeface="나눔바른펜" panose="020B0503000000000000" pitchFamily="50" charset="-127"/>
+              </a:rPr>
+              <a:t> </a:t>
+            </a:r>
+            <a:r>
+              <a:rPr lang="ko-KR" altLang="en-US" dirty="0" smtClean="0">
+                <a:latin typeface="나눔바른펜" panose="020B0503000000000000" pitchFamily="50" charset="-127"/>
+                <a:ea typeface="나눔바른펜" panose="020B0503000000000000" pitchFamily="50" charset="-127"/>
+              </a:rPr>
+              <a:t>제공</a:t>
             </a:r>
             <a:endParaRPr lang="en-US" altLang="ko-KR" dirty="0" smtClean="0">
               <a:latin typeface="나눔바른펜" panose="020B0503000000000000" pitchFamily="50" charset="-127"/>
               <a:ea typeface="나눔바른펜" panose="020B0503000000000000" pitchFamily="50" charset="-127"/>
             </a:endParaRPr>
+          </a:p>
+          <a:p>
+            <a:pPr>
+              <a:defRPr lang="ko-KR" altLang="en-US"/>
+            </a:pPr>
+            <a:r>
+              <a:rPr lang="en-US" altLang="ko-KR" dirty="0" smtClean="0">
+                <a:latin typeface="나눔바른펜"/>
+                <a:ea typeface="나눔바른펜"/>
+              </a:rPr>
+              <a:t>-&gt; </a:t>
+            </a:r>
+            <a:r>
+              <a:rPr lang="ko-KR" altLang="en-US" dirty="0" smtClean="0">
+                <a:latin typeface="나눔바른펜" panose="020B0503000000000000" pitchFamily="50" charset="-127"/>
+                <a:ea typeface="나눔바른펜" panose="020B0503000000000000" pitchFamily="50" charset="-127"/>
+              </a:rPr>
+              <a:t>말단연구원</a:t>
+            </a:r>
+            <a:r>
+              <a:rPr lang="en-US" altLang="ko-KR" dirty="0">
+                <a:latin typeface="나눔바른펜" panose="020B0503000000000000" pitchFamily="50" charset="-127"/>
+                <a:ea typeface="나눔바른펜" panose="020B0503000000000000" pitchFamily="50" charset="-127"/>
+              </a:rPr>
+              <a:t> </a:t>
+            </a:r>
+            <a:r>
+              <a:rPr lang="ko-KR" altLang="en-US" dirty="0" smtClean="0">
+                <a:latin typeface="나눔바른펜" panose="020B0503000000000000" pitchFamily="50" charset="-127"/>
+                <a:ea typeface="나눔바른펜" panose="020B0503000000000000" pitchFamily="50" charset="-127"/>
+              </a:rPr>
+              <a:t>일 때에는  </a:t>
+            </a:r>
+            <a:r>
+              <a:rPr lang="ko-KR" altLang="en-US" dirty="0" smtClean="0">
+                <a:latin typeface="나눔바른펜" panose="020B0503000000000000" pitchFamily="50" charset="-127"/>
+                <a:ea typeface="나눔바른펜" panose="020B0503000000000000" pitchFamily="50" charset="-127"/>
+              </a:rPr>
+              <a:t>무반응</a:t>
+            </a:r>
+            <a:endParaRPr lang="en-US" altLang="ko-KR" dirty="0" smtClean="0">
+              <a:latin typeface="나눔바른펜" panose="020B0503000000000000" pitchFamily="50" charset="-127"/>
+              <a:ea typeface="나눔바른펜" panose="020B0503000000000000" pitchFamily="50" charset="-127"/>
+            </a:endParaRPr>
+          </a:p>
+          <a:p>
+            <a:pPr>
+              <a:defRPr lang="ko-KR" altLang="en-US"/>
+            </a:pPr>
+            <a:r>
+              <a:rPr lang="en-US" altLang="ko-KR" dirty="0" smtClean="0">
+                <a:latin typeface="나눔바른펜" panose="020B0503000000000000" pitchFamily="50" charset="-127"/>
+                <a:ea typeface="나눔바른펜" panose="020B0503000000000000" pitchFamily="50" charset="-127"/>
+              </a:rPr>
+              <a:t>-&gt; </a:t>
+            </a:r>
+            <a:r>
+              <a:rPr lang="ko-KR" altLang="en-US" dirty="0" smtClean="0">
+                <a:latin typeface="나눔바른펜" panose="020B0503000000000000" pitchFamily="50" charset="-127"/>
+                <a:ea typeface="나눔바른펜" panose="020B0503000000000000" pitchFamily="50" charset="-127"/>
+              </a:rPr>
+              <a:t>주인공 얼굴 일 때 </a:t>
+            </a:r>
+            <a:r>
+              <a:rPr lang="en-US" altLang="ko-KR" dirty="0" smtClean="0">
+                <a:solidFill>
+                  <a:srgbClr val="FF0000"/>
+                </a:solidFill>
+                <a:latin typeface="나눔바른펜" panose="020B0503000000000000" pitchFamily="50" charset="-127"/>
+                <a:ea typeface="나눔바른펜" panose="020B0503000000000000" pitchFamily="50" charset="-127"/>
+              </a:rPr>
+              <a:t>Game Over</a:t>
+            </a:r>
           </a:p>
           <a:p>
             <a:pPr>
@@ -7993,7 +8137,21 @@
                 <a:latin typeface="나눔바른펜" panose="020B0503000000000000" pitchFamily="50" charset="-127"/>
                 <a:ea typeface="나눔바른펜" panose="020B0503000000000000" pitchFamily="50" charset="-127"/>
               </a:rPr>
-              <a:t>에게 딸 스킬 얻기 위해서</a:t>
+              <a:t>에게 딸 </a:t>
+            </a:r>
+            <a:r>
+              <a:rPr lang="ko-KR" altLang="en-US" dirty="0" smtClean="0">
+                <a:latin typeface="나눔바른펜" panose="020B0503000000000000" pitchFamily="50" charset="-127"/>
+                <a:ea typeface="나눔바른펜" panose="020B0503000000000000" pitchFamily="50" charset="-127"/>
+              </a:rPr>
+              <a:t>목소리약 </a:t>
+            </a:r>
+            <a:r>
+              <a:rPr lang="ko-KR" altLang="en-US" dirty="0">
+                <a:latin typeface="나눔바른펜" panose="020B0503000000000000" pitchFamily="50" charset="-127"/>
+                <a:ea typeface="나눔바른펜" panose="020B0503000000000000" pitchFamily="50" charset="-127"/>
+              </a:rPr>
+              <a:t>얻기 위해서</a:t>
             </a:r>
             <a:endParaRPr lang="en-US" altLang="ko-KR" dirty="0">
               <a:latin typeface="나눔바른펜" panose="020B0503000000000000" pitchFamily="50" charset="-127"/>
@@ -8049,51 +8207,61 @@
               <a:t>-&gt; </a:t>
             </a:r>
             <a:r>
+              <a:rPr lang="ko-KR" altLang="en-US" dirty="0" smtClean="0">
+                <a:latin typeface="나눔바른펜"/>
+                <a:ea typeface="나눔바른펜"/>
+              </a:rPr>
+              <a:t>주인공</a:t>
+            </a:r>
+            <a:r>
+              <a:rPr lang="en-US" altLang="ko-KR" dirty="0" smtClean="0">
+                <a:latin typeface="나눔바른펜"/>
+                <a:ea typeface="나눔바른펜"/>
+              </a:rPr>
+              <a:t>, </a:t>
+            </a:r>
+            <a:r>
+              <a:rPr lang="ko-KR" altLang="en-US" dirty="0" smtClean="0">
+                <a:latin typeface="나눔바른펜"/>
+                <a:ea typeface="나눔바른펜"/>
+              </a:rPr>
+              <a:t>조력자 얼굴로 </a:t>
+            </a:r>
+            <a:r>
               <a:rPr lang="ko-KR" altLang="en-US" dirty="0">
                 <a:latin typeface="나눔바른펜"/>
                 <a:ea typeface="나눔바른펜"/>
               </a:rPr>
-              <a:t>주인공 원래 얼굴로 만날 시 </a:t>
-            </a:r>
+              <a:t>만날 시 </a:t>
+            </a:r>
+            <a:r>
+              <a:rPr lang="en-US" altLang="ko-KR" dirty="0">
+                <a:solidFill>
+                  <a:srgbClr val="FF0000"/>
+                </a:solidFill>
+                <a:latin typeface="나눔바른펜"/>
+                <a:ea typeface="나눔바른펜"/>
+              </a:rPr>
+              <a:t>Game Over</a:t>
+            </a:r>
+          </a:p>
+          <a:p>
+            <a:pPr>
+              <a:defRPr lang="ko-KR" altLang="en-US"/>
+            </a:pPr>
             <a:r>
               <a:rPr lang="en-US" altLang="ko-KR" dirty="0">
                 <a:latin typeface="나눔바른펜"/>
                 <a:ea typeface="나눔바른펜"/>
               </a:rPr>
-              <a:t>Game Over</a:t>
-            </a:r>
-          </a:p>
-          <a:p>
-            <a:pPr>
-              <a:defRPr lang="ko-KR" altLang="en-US"/>
-            </a:pPr>
-            <a:r>
-              <a:rPr lang="en-US" altLang="ko-KR" dirty="0">
-                <a:latin typeface="나눔바른펜"/>
-                <a:ea typeface="나눔바른펜"/>
-              </a:rPr>
               <a:t>-&gt; </a:t>
             </a:r>
             <a:r>
-              <a:rPr lang="ko-KR" altLang="en-US" dirty="0">
-                <a:latin typeface="나눔바른펜" panose="020B0503000000000000" pitchFamily="50" charset="-127"/>
-                <a:ea typeface="나눔바른펜" panose="020B0503000000000000" pitchFamily="50" charset="-127"/>
-              </a:rPr>
-              <a:t>말단연구원</a:t>
-            </a:r>
-            <a:r>
-              <a:rPr lang="en-US" altLang="ko-KR" dirty="0">
-                <a:latin typeface="나눔바른펜" panose="020B0503000000000000" pitchFamily="50" charset="-127"/>
-                <a:ea typeface="나눔바른펜" panose="020B0503000000000000" pitchFamily="50" charset="-127"/>
-              </a:rPr>
-              <a:t>, </a:t>
-            </a:r>
-            <a:r>
               <a:rPr lang="ko-KR" altLang="en-US" dirty="0" smtClean="0">
                 <a:latin typeface="나눔바른펜" panose="020B0503000000000000" pitchFamily="50" charset="-127"/>
                 <a:ea typeface="나눔바른펜" panose="020B0503000000000000" pitchFamily="50" charset="-127"/>
               </a:rPr>
-              <a:t>딸일 </a:t>
+              <a:t>말단연구원일 </a:t>
             </a:r>
             <a:r>
               <a:rPr lang="ko-KR" altLang="en-US" dirty="0">
@@ -8397,7 +8565,7 @@
           <a:blip r:embed="rId6">
             <a:extLst>
               <a:ext uri="{28A0092B-C50C-407E-A947-70E740481C1C}">
-                <a14:useLocalDpi xmlns:a14="http://schemas.microsoft.com/office/drawing/2010/main" val="0"/>
+                <a14:useLocalDpi xmlns:a14="http://schemas.microsoft.com/office/drawing/2010/main" xmlns="" val="0"/>
               </a:ext>
             </a:extLst>
           </a:blip>
@@ -8417,7 +8585,7 @@
           <a:noFill/>
           <a:extLst>
             <a:ext uri="{909E8E84-426E-40DD-AFC4-6F175D3DCCD1}">
-              <a14:hiddenFill xmlns:a14="http://schemas.microsoft.com/office/drawing/2010/main">
+              <a14:hiddenFill xmlns:a14="http://schemas.microsoft.com/office/drawing/2010/main" xmlns="">
                 <a:solidFill>
                   <a:srgbClr val="FFFFFF"/>
                 </a:solidFill>
@@ -8487,7 +8655,7 @@
           <a:blip r:embed="rId7">
             <a:extLst>
               <a:ext uri="{28A0092B-C50C-407E-A947-70E740481C1C}">
-                <a14:useLocalDpi xmlns:a14="http://schemas.microsoft.com/office/drawing/2010/main" val="0"/>
+                <a14:useLocalDpi xmlns:a14="http://schemas.microsoft.com/office/drawing/2010/main" xmlns="" val="0"/>
               </a:ext>
             </a:extLst>
           </a:blip>
@@ -8507,7 +8675,7 @@
           <a:noFill/>
           <a:extLst>
             <a:ext uri="{909E8E84-426E-40DD-AFC4-6F175D3DCCD1}">
-              <a14:hiddenFill xmlns:a14="http://schemas.microsoft.com/office/drawing/2010/main">
+              <a14:hiddenFill xmlns:a14="http://schemas.microsoft.com/office/drawing/2010/main" xmlns="">
                 <a:solidFill>
                   <a:srgbClr val="FFFFFF"/>
                 </a:solidFill>
@@ -8548,30 +8716,6 @@
           </a:p>
         </p:txBody>
       </p:sp>
-      <p:pic>
-        <p:nvPicPr>
-          <p:cNvPr id="36" name="그림 35"/>
-          <p:cNvPicPr>
-            <a:picLocks noChangeAspect="1"/>
-          </p:cNvPicPr>
-          <p:nvPr/>
-        </p:nvPicPr>
-        <p:blipFill rotWithShape="1">
-          <a:blip r:embed="rId5"/>
-          <a:stretch>
-            <a:fillRect/>
-          </a:stretch>
-        </p:blipFill>
-        <p:spPr>
-          <a:xfrm>
-            <a:off x="3955371" y="2003675"/>
-            <a:ext cx="359410" cy="382352"/>
-          </a:xfrm>
-          <a:prstGeom prst="rect">
-            <a:avLst/>
-          </a:prstGeom>
-        </p:spPr>
-      </p:pic>
       <p:sp>
         <p:nvSpPr>
           <p:cNvPr id="10" name="직사각형 9"/>
@@ -8580,7 +8724,7 @@
         </p:nvSpPr>
         <p:spPr>
           <a:xfrm>
-            <a:off x="3760993" y="1887993"/>
+            <a:off x="3023828" y="1383618"/>
             <a:ext cx="369012" cy="369332"/>
           </a:xfrm>
           <a:prstGeom prst="rect">
@@ -8629,7 +8773,6 @@
               <a:rPr lang="ko-KR" altLang="en-US" dirty="0"/>
               <a:t>♫</a:t>
             </a:r>
-            <a:endParaRPr lang="ko-KR" altLang="en-US" dirty="0"/>
           </a:p>
         </p:txBody>
       </p:sp>
@@ -8706,7 +8849,7 @@
     </p:spTree>
     <p:extLst>
       <p:ext uri="{BB962C8B-B14F-4D97-AF65-F5344CB8AC3E}">
-        <p14:creationId xmlns:p14="http://schemas.microsoft.com/office/powerpoint/2010/main" val="929585784"/>
+        <p14:creationId xmlns:p14="http://schemas.microsoft.com/office/powerpoint/2010/main" xmlns="" val="929585784"/>
       </p:ext>
     </p:extLst>
   </p:cSld>
@@ -8977,7 +9120,7 @@
             <a:lum/>
             <a:extLst>
               <a:ext uri="783A4284-B454-46f5-B8C8-42B5039CE256">
-                <hp:hncPhoto xmlns:hp="http://schemas.haansoft.com/office/presentation/8.0" xmlns:dsp="http://schemas.microsoft.com/office/drawing/2008/diagram" xmlns:dgm="http://schemas.openxmlformats.org/drawingml/2006/diagram" xmlns:c="http://schemas.openxmlformats.org/drawingml/2006/chart" xmlns="">
+                <hp:hncPhoto xmlns="" xmlns:c="http://schemas.openxmlformats.org/drawingml/2006/chart" xmlns:dgm="http://schemas.openxmlformats.org/drawingml/2006/diagram" xmlns:dsp="http://schemas.microsoft.com/office/drawing/2008/diagram" xmlns:hp="http://schemas.haansoft.com/office/presentation/8.0">
                   <hd:imgLayer xmlns:hd="http://schemas.haansoft.com/office/drawingml/8.0" r:embed="rId4">
                     <hd:imgEffect xmlns:hd="http://schemas.haansoft.com/office/drawingml/8.0">
                       <hd:artEffectSoftPortrait trans="10000"/>
@@ -9176,24 +9319,27 @@
                 <a:latin typeface="나눔바른펜" panose="020B0503000000000000" pitchFamily="50" charset="-127"/>
                 <a:ea typeface="나눔바른펜" panose="020B0503000000000000" pitchFamily="50" charset="-127"/>
               </a:rPr>
-              <a:t>이후 주인공의 얼굴이 주인공 </a:t>
-            </a:r>
-            <a:r>
-              <a:rPr lang="ko-KR" altLang="en-US" dirty="0" err="1" smtClean="0">
-                <a:latin typeface="나눔바른펜" panose="020B0503000000000000" pitchFamily="50" charset="-127"/>
-                <a:ea typeface="나눔바른펜" panose="020B0503000000000000" pitchFamily="50" charset="-127"/>
-              </a:rPr>
-              <a:t>원래얼굴일</a:t>
+              <a:t>주인공</a:t>
+            </a:r>
+            <a:r>
+              <a:rPr lang="en-US" altLang="ko-KR" dirty="0" smtClean="0">
+                <a:latin typeface="나눔바른펜" panose="020B0503000000000000" pitchFamily="50" charset="-127"/>
+                <a:ea typeface="나눔바른펜" panose="020B0503000000000000" pitchFamily="50" charset="-127"/>
+              </a:rPr>
+              <a:t>, </a:t>
             </a:r>
             <a:r>
               <a:rPr lang="ko-KR" altLang="en-US" dirty="0" smtClean="0">
                 <a:latin typeface="나눔바른펜" panose="020B0503000000000000" pitchFamily="50" charset="-127"/>
                 <a:ea typeface="나눔바른펜" panose="020B0503000000000000" pitchFamily="50" charset="-127"/>
               </a:rPr>
-              <a:t> 경우에만 </a:t>
+              <a:t>조력자일 경우에만 </a:t>
             </a:r>
             <a:r>
               <a:rPr lang="en-US" altLang="ko-KR" dirty="0" smtClean="0">
+                <a:solidFill>
+                  <a:srgbClr val="FF0000"/>
+                </a:solidFill>
                 <a:latin typeface="나눔바른펜" panose="020B0503000000000000" pitchFamily="50" charset="-127"/>
                 <a:ea typeface="나눔바른펜" panose="020B0503000000000000" pitchFamily="50" charset="-127"/>
               </a:rPr>
@@ -9225,14 +9371,35 @@
                 <a:latin typeface="나눔바른펜" panose="020B0503000000000000" pitchFamily="50" charset="-127"/>
                 <a:ea typeface="나눔바른펜" panose="020B0503000000000000" pitchFamily="50" charset="-127"/>
               </a:rPr>
-              <a:t>, Wife, </a:t>
+              <a:t>, Wife</a:t>
+            </a:r>
+            <a:r>
+              <a:rPr lang="ko-KR" altLang="en-US" dirty="0" err="1" smtClean="0">
+                <a:latin typeface="나눔바른펜" panose="020B0503000000000000" pitchFamily="50" charset="-127"/>
+                <a:ea typeface="나눔바른펜" panose="020B0503000000000000" pitchFamily="50" charset="-127"/>
+              </a:rPr>
+              <a:t>일</a:t>
+            </a:r>
+            <a:r>
+              <a:rPr lang="ko-KR" altLang="en-US" dirty="0" err="1" smtClean="0">
+                <a:latin typeface="나눔바른펜" panose="020B0503000000000000" pitchFamily="50" charset="-127"/>
+                <a:ea typeface="나눔바른펜" panose="020B0503000000000000" pitchFamily="50" charset="-127"/>
+              </a:rPr>
+              <a:t>때에는</a:t>
             </a:r>
             <a:r>
               <a:rPr lang="ko-KR" altLang="en-US" dirty="0" smtClean="0">
                 <a:latin typeface="나눔바른펜" panose="020B0503000000000000" pitchFamily="50" charset="-127"/>
                 <a:ea typeface="나눔바른펜" panose="020B0503000000000000" pitchFamily="50" charset="-127"/>
               </a:rPr>
-              <a:t>딸 일 때에는 무반응</a:t>
+              <a:t> </a:t>
+            </a:r>
+            <a:r>
+              <a:rPr lang="ko-KR" altLang="en-US" dirty="0" smtClean="0">
+                <a:latin typeface="나눔바른펜" panose="020B0503000000000000" pitchFamily="50" charset="-127"/>
+                <a:ea typeface="나눔바른펜" panose="020B0503000000000000" pitchFamily="50" charset="-127"/>
+              </a:rPr>
+              <a:t>무반응</a:t>
             </a:r>
             <a:endParaRPr lang="en-US" altLang="ko-KR" dirty="0" smtClean="0">
               <a:latin typeface="나눔바른펜" panose="020B0503000000000000" pitchFamily="50" charset="-127"/>
@@ -9246,204 +9413,6 @@
               <a:defRPr lang="ko-KR" altLang="en-US"/>
             </a:pPr>
             <a:endParaRPr lang="en-US" altLang="ko-KR" dirty="0">
-              <a:latin typeface="나눔바른펜" panose="020B0503000000000000" pitchFamily="50" charset="-127"/>
-              <a:ea typeface="나눔바른펜" panose="020B0503000000000000" pitchFamily="50" charset="-127"/>
-            </a:endParaRPr>
-          </a:p>
-          <a:p>
-            <a:pPr>
-              <a:defRPr lang="ko-KR" altLang="en-US"/>
-            </a:pPr>
-            <a:r>
-              <a:rPr lang="en-US" altLang="ko-KR" dirty="0" smtClean="0">
-                <a:latin typeface="나눔바른펜" panose="020B0503000000000000" pitchFamily="50" charset="-127"/>
-                <a:ea typeface="나눔바른펜" panose="020B0503000000000000" pitchFamily="50" charset="-127"/>
-              </a:rPr>
-              <a:t># </a:t>
-            </a:r>
-            <a:r>
-              <a:rPr lang="en-US" altLang="ko-KR" dirty="0" smtClean="0">
-                <a:latin typeface="나눔바른펜"/>
-                <a:ea typeface="나눔바른펜"/>
-              </a:rPr>
-              <a:t>⑥ </a:t>
-            </a:r>
-            <a:r>
-              <a:rPr lang="ko-KR" altLang="en-US" dirty="0">
-                <a:latin typeface="나눔바른펜" panose="020B0503000000000000" pitchFamily="50" charset="-127"/>
-                <a:ea typeface="나눔바른펜" panose="020B0503000000000000" pitchFamily="50" charset="-127"/>
-              </a:rPr>
-              <a:t>경비 피하기 위해서  </a:t>
-            </a:r>
-            <a:endParaRPr lang="en-US" altLang="ko-KR" dirty="0" smtClean="0">
-              <a:latin typeface="나눔바른펜" panose="020B0503000000000000" pitchFamily="50" charset="-127"/>
-              <a:ea typeface="나눔바른펜" panose="020B0503000000000000" pitchFamily="50" charset="-127"/>
-            </a:endParaRPr>
-          </a:p>
-          <a:p>
-            <a:pPr>
-              <a:defRPr lang="ko-KR" altLang="en-US"/>
-            </a:pPr>
-            <a:r>
-              <a:rPr lang="en-US" altLang="ko-KR" dirty="0" smtClean="0">
-                <a:latin typeface="나눔바른펜" panose="020B0503000000000000" pitchFamily="50" charset="-127"/>
-                <a:ea typeface="나눔바른펜" panose="020B0503000000000000" pitchFamily="50" charset="-127"/>
-              </a:rPr>
-              <a:t>-&gt; B1,</a:t>
-            </a:r>
-            <a:r>
-              <a:rPr lang="en-US" altLang="ko-KR" dirty="0" smtClean="0">
-                <a:latin typeface="나눔바른펜"/>
-                <a:ea typeface="나눔바른펜"/>
-              </a:rPr>
-              <a:t> ② </a:t>
-            </a:r>
-            <a:r>
-              <a:rPr lang="ko-KR" altLang="en-US" dirty="0" smtClean="0">
-                <a:latin typeface="나눔바른펜"/>
-                <a:ea typeface="나눔바른펜"/>
-              </a:rPr>
-              <a:t>조력자의 단서 </a:t>
-            </a:r>
-            <a:r>
-              <a:rPr lang="en-US" altLang="ko-KR" dirty="0" smtClean="0">
-                <a:latin typeface="나눔바른펜"/>
-                <a:ea typeface="나눔바른펜"/>
-              </a:rPr>
-              <a:t>(</a:t>
-            </a:r>
-            <a:r>
-              <a:rPr lang="ko-KR" altLang="en-US" dirty="0" smtClean="0">
-                <a:latin typeface="나눔바른펜"/>
-                <a:ea typeface="나눔바른펜"/>
-              </a:rPr>
-              <a:t> 경보기</a:t>
-            </a:r>
-            <a:r>
-              <a:rPr lang="en-US" altLang="ko-KR" dirty="0" smtClean="0">
-                <a:latin typeface="나눔바른펜"/>
-                <a:ea typeface="나눔바른펜"/>
-              </a:rPr>
-              <a:t>)</a:t>
-            </a:r>
-            <a:r>
-              <a:rPr lang="ko-KR" altLang="en-US" dirty="0" smtClean="0">
-                <a:latin typeface="나눔바른펜"/>
-                <a:ea typeface="나눔바른펜"/>
-              </a:rPr>
-              <a:t> 필요</a:t>
-            </a:r>
-            <a:endParaRPr lang="en-US" altLang="ko-KR" dirty="0" smtClean="0">
-              <a:latin typeface="나눔바른펜"/>
-              <a:ea typeface="나눔바른펜"/>
-            </a:endParaRPr>
-          </a:p>
-          <a:p>
-            <a:pPr>
-              <a:defRPr lang="ko-KR" altLang="en-US"/>
-            </a:pPr>
-            <a:r>
-              <a:rPr lang="en-US" altLang="ko-KR" dirty="0" smtClean="0">
-                <a:latin typeface="나눔바른펜"/>
-                <a:ea typeface="나눔바른펜"/>
-              </a:rPr>
-              <a:t>-&gt; </a:t>
-            </a:r>
-            <a:r>
-              <a:rPr lang="ko-KR" altLang="en-US" dirty="0" smtClean="0">
-                <a:latin typeface="나눔바른펜"/>
-                <a:ea typeface="나눔바른펜"/>
-              </a:rPr>
-              <a:t>주인공 원래 얼굴로 만날 시 </a:t>
-            </a:r>
-            <a:r>
-              <a:rPr lang="en-US" altLang="ko-KR" dirty="0" smtClean="0">
-                <a:latin typeface="나눔바른펜"/>
-                <a:ea typeface="나눔바른펜"/>
-              </a:rPr>
-              <a:t>Game Over</a:t>
-            </a:r>
-          </a:p>
-          <a:p>
-            <a:pPr>
-              <a:defRPr lang="ko-KR" altLang="en-US"/>
-            </a:pPr>
-            <a:r>
-              <a:rPr lang="en-US" altLang="ko-KR" dirty="0" smtClean="0">
-                <a:latin typeface="나눔바른펜"/>
-                <a:ea typeface="나눔바른펜"/>
-              </a:rPr>
-              <a:t>-&gt; </a:t>
-            </a:r>
-            <a:r>
-              <a:rPr lang="ko-KR" altLang="en-US" dirty="0">
-                <a:latin typeface="나눔바른펜" panose="020B0503000000000000" pitchFamily="50" charset="-127"/>
-                <a:ea typeface="나눔바른펜" panose="020B0503000000000000" pitchFamily="50" charset="-127"/>
-              </a:rPr>
-              <a:t>말단연구원</a:t>
-            </a:r>
-            <a:r>
-              <a:rPr lang="en-US" altLang="ko-KR" dirty="0">
-                <a:latin typeface="나눔바른펜" panose="020B0503000000000000" pitchFamily="50" charset="-127"/>
-                <a:ea typeface="나눔바른펜" panose="020B0503000000000000" pitchFamily="50" charset="-127"/>
-              </a:rPr>
-              <a:t>, </a:t>
-            </a:r>
-            <a:r>
-              <a:rPr lang="en-US" altLang="ko-KR" dirty="0" smtClean="0">
-                <a:latin typeface="나눔바른펜" panose="020B0503000000000000" pitchFamily="50" charset="-127"/>
-                <a:ea typeface="나눔바른펜" panose="020B0503000000000000" pitchFamily="50" charset="-127"/>
-              </a:rPr>
-              <a:t>Wife </a:t>
-            </a:r>
-            <a:r>
-              <a:rPr lang="ko-KR" altLang="en-US" dirty="0" smtClean="0">
-                <a:latin typeface="나눔바른펜" panose="020B0503000000000000" pitchFamily="50" charset="-127"/>
-                <a:ea typeface="나눔바른펜" panose="020B0503000000000000" pitchFamily="50" charset="-127"/>
-              </a:rPr>
-              <a:t>로 만날 때에는 </a:t>
-            </a:r>
-            <a:r>
-              <a:rPr lang="en-US" altLang="ko-KR" dirty="0" smtClean="0">
-                <a:latin typeface="나눔바른펜" panose="020B0503000000000000" pitchFamily="50" charset="-127"/>
-                <a:ea typeface="나눔바른펜" panose="020B0503000000000000" pitchFamily="50" charset="-127"/>
-              </a:rPr>
-              <a:t>Go Back</a:t>
-            </a:r>
-          </a:p>
-          <a:p>
-            <a:pPr>
-              <a:defRPr lang="ko-KR" altLang="en-US"/>
-            </a:pPr>
-            <a:r>
-              <a:rPr lang="en-US" altLang="ko-KR" dirty="0" smtClean="0">
-                <a:latin typeface="나눔바른펜" panose="020B0503000000000000" pitchFamily="50" charset="-127"/>
-                <a:ea typeface="나눔바른펜" panose="020B0503000000000000" pitchFamily="50" charset="-127"/>
-              </a:rPr>
-              <a:t>-&gt; </a:t>
-            </a:r>
-            <a:r>
-              <a:rPr lang="ko-KR" altLang="en-US" dirty="0" smtClean="0">
-                <a:latin typeface="나눔바른펜" panose="020B0503000000000000" pitchFamily="50" charset="-127"/>
-                <a:ea typeface="나눔바른펜" panose="020B0503000000000000" pitchFamily="50" charset="-127"/>
-              </a:rPr>
-              <a:t>딸의 모습일 때에는 </a:t>
-            </a:r>
-            <a:r>
-              <a:rPr lang="en-US" altLang="ko-KR" dirty="0" smtClean="0">
-                <a:latin typeface="나눔바른펜" panose="020B0503000000000000" pitchFamily="50" charset="-127"/>
-                <a:ea typeface="나눔바른펜" panose="020B0503000000000000" pitchFamily="50" charset="-127"/>
-              </a:rPr>
-              <a:t>………???????</a:t>
-            </a:r>
-            <a:r>
-              <a:rPr lang="ko-KR" altLang="en-US" dirty="0" smtClean="0">
-                <a:latin typeface="나눔바른펜" panose="020B0503000000000000" pitchFamily="50" charset="-127"/>
-                <a:ea typeface="나눔바른펜" panose="020B0503000000000000" pitchFamily="50" charset="-127"/>
-              </a:rPr>
-              <a:t> </a:t>
-            </a:r>
-            <a:endParaRPr lang="en-US" altLang="ko-KR" dirty="0" smtClean="0">
               <a:latin typeface="나눔바른펜" panose="020B0503000000000000" pitchFamily="50" charset="-127"/>
               <a:ea typeface="나눔바른펜" panose="020B0503000000000000" pitchFamily="50" charset="-127"/>
             </a:endParaRPr>
@@ -9738,7 +9707,7 @@
           <a:blip r:embed="rId6">
             <a:extLst>
               <a:ext uri="{28A0092B-C50C-407E-A947-70E740481C1C}">
-                <a14:useLocalDpi xmlns:a14="http://schemas.microsoft.com/office/drawing/2010/main" val="0"/>
+                <a14:useLocalDpi xmlns:a14="http://schemas.microsoft.com/office/drawing/2010/main" xmlns="" val="0"/>
               </a:ext>
             </a:extLst>
           </a:blip>
@@ -9758,7 +9727,7 @@
           <a:noFill/>
           <a:extLst>
             <a:ext uri="{909E8E84-426E-40DD-AFC4-6F175D3DCCD1}">
-              <a14:hiddenFill xmlns:a14="http://schemas.microsoft.com/office/drawing/2010/main">
+              <a14:hiddenFill xmlns:a14="http://schemas.microsoft.com/office/drawing/2010/main" xmlns="">
                 <a:solidFill>
                   <a:srgbClr val="FFFFFF"/>
                 </a:solidFill>
@@ -9828,7 +9797,7 @@
           <a:blip r:embed="rId7">
             <a:extLst>
               <a:ext uri="{28A0092B-C50C-407E-A947-70E740481C1C}">
-                <a14:useLocalDpi xmlns:a14="http://schemas.microsoft.com/office/drawing/2010/main" val="0"/>
+                <a14:useLocalDpi xmlns:a14="http://schemas.microsoft.com/office/drawing/2010/main" xmlns="" val="0"/>
               </a:ext>
             </a:extLst>
           </a:blip>
@@ -9848,7 +9817,7 @@
           <a:noFill/>
           <a:extLst>
             <a:ext uri="{909E8E84-426E-40DD-AFC4-6F175D3DCCD1}">
-              <a14:hiddenFill xmlns:a14="http://schemas.microsoft.com/office/drawing/2010/main">
+              <a14:hiddenFill xmlns:a14="http://schemas.microsoft.com/office/drawing/2010/main" xmlns="">
                 <a:solidFill>
                   <a:srgbClr val="FFFFFF"/>
                 </a:solidFill>
@@ -9889,30 +9858,6 @@
           </a:p>
         </p:txBody>
       </p:sp>
-      <p:pic>
-        <p:nvPicPr>
-          <p:cNvPr id="36" name="그림 35"/>
-          <p:cNvPicPr>
-            <a:picLocks noChangeAspect="1"/>
-          </p:cNvPicPr>
-          <p:nvPr/>
-        </p:nvPicPr>
-        <p:blipFill rotWithShape="1">
-          <a:blip r:embed="rId5"/>
-          <a:stretch>
-            <a:fillRect/>
-          </a:stretch>
-        </p:blipFill>
-        <p:spPr>
-          <a:xfrm>
-            <a:off x="3955371" y="2003675"/>
-            <a:ext cx="359410" cy="382352"/>
-          </a:xfrm>
-          <a:prstGeom prst="rect">
-            <a:avLst/>
-          </a:prstGeom>
-        </p:spPr>
-      </p:pic>
       <p:sp>
         <p:nvSpPr>
           <p:cNvPr id="10" name="직사각형 9"/>
@@ -9921,7 +9866,7 @@
         </p:nvSpPr>
         <p:spPr>
           <a:xfrm>
-            <a:off x="3760993" y="1887993"/>
+            <a:off x="3023828" y="1419622"/>
             <a:ext cx="369012" cy="369332"/>
           </a:xfrm>
           <a:prstGeom prst="rect">
@@ -9970,7 +9915,6 @@
               <a:rPr lang="ko-KR" altLang="en-US" dirty="0"/>
               <a:t>♫</a:t>
             </a:r>
-            <a:endParaRPr lang="ko-KR" altLang="en-US" dirty="0"/>
           </a:p>
         </p:txBody>
       </p:sp>
@@ -10047,7 +9991,7 @@
     </p:spTree>
     <p:extLst>
       <p:ext uri="{BB962C8B-B14F-4D97-AF65-F5344CB8AC3E}">
-        <p14:creationId xmlns:p14="http://schemas.microsoft.com/office/powerpoint/2010/main" val="1799469525"/>
+        <p14:creationId xmlns:p14="http://schemas.microsoft.com/office/powerpoint/2010/main" xmlns="" val="1799469525"/>
       </p:ext>
     </p:extLst>
   </p:cSld>
@@ -10600,43 +10544,46 @@
           </a:p>
           <a:p>
             <a:pPr>
-              <a:buNone/>
               <a:defRPr lang="ko-KR" altLang="en-US"/>
             </a:pPr>
+            <a:r>
+              <a:rPr lang="ko-KR" altLang="en-US" dirty="0" smtClean="0"/>
+              <a:t>④ </a:t>
+            </a:r>
+            <a:r>
+              <a:rPr lang="en-US" altLang="ko-KR" dirty="0" smtClean="0">
+                <a:latin typeface="나눔바른펜"/>
+                <a:ea typeface="나눔바른펜"/>
+              </a:rPr>
+              <a:t>: </a:t>
+            </a:r>
             <a:r>
               <a:rPr lang="ko-KR" altLang="en-US" dirty="0" smtClean="0">
                 <a:latin typeface="나눔바른펜"/>
                 <a:ea typeface="나눔바른펜"/>
               </a:rPr>
-              <a:t>이외의 방 </a:t>
+              <a:t>탈출구 </a:t>
             </a:r>
             <a:r>
               <a:rPr lang="en-US" altLang="ko-KR" dirty="0" smtClean="0">
                 <a:latin typeface="나눔바른펜"/>
                 <a:ea typeface="나눔바른펜"/>
               </a:rPr>
-              <a:t>: </a:t>
+              <a:t>-&gt; </a:t>
             </a:r>
             <a:r>
               <a:rPr lang="ko-KR" altLang="en-US" dirty="0" smtClean="0">
                 <a:latin typeface="나눔바른펜"/>
                 <a:ea typeface="나눔바른펜"/>
               </a:rPr>
-              <a:t>추억의 방 </a:t>
-            </a:r>
-            <a:r>
-              <a:rPr lang="en-US" altLang="ko-KR" dirty="0" smtClean="0">
+              <a:t>게임 </a:t>
+            </a:r>
+            <a:r>
+              <a:rPr lang="ko-KR" altLang="en-US" dirty="0" err="1" smtClean="0">
                 <a:latin typeface="나눔바른펜"/>
                 <a:ea typeface="나눔바른펜"/>
               </a:rPr>
-              <a:t>or </a:t>
-            </a:r>
-            <a:r>
-              <a:rPr lang="ko-KR" altLang="en-US" dirty="0" smtClean="0">
-                <a:latin typeface="나눔바른펜"/>
-                <a:ea typeface="나눔바른펜"/>
-              </a:rPr>
-              <a:t>빈방</a:t>
+              <a:t>엔딩</a:t>
             </a:r>
             <a:endParaRPr lang="en-US" altLang="ko-KR" dirty="0" smtClean="0">
               <a:latin typeface="나눔바른펜"/>
@@ -10658,7 +10605,7 @@
             <a:lum/>
             <a:extLst>
               <a:ext uri="783A4284-B454-46f5-B8C8-42B5039CE256">
-                <hp:hncPhoto xmlns:hp="http://schemas.haansoft.com/office/presentation/8.0" xmlns:dsp="http://schemas.microsoft.com/office/drawing/2008/diagram" xmlns:dgm="http://schemas.openxmlformats.org/drawingml/2006/diagram" xmlns:c="http://schemas.openxmlformats.org/drawingml/2006/chart" xmlns="">
+                <hp:hncPhoto xmlns="" xmlns:c="http://schemas.openxmlformats.org/drawingml/2006/chart" xmlns:dgm="http://schemas.openxmlformats.org/drawingml/2006/diagram" xmlns:dsp="http://schemas.microsoft.com/office/drawing/2008/diagram" xmlns:hp="http://schemas.haansoft.com/office/presentation/8.0">
                   <hd:imgLayer xmlns:hd="http://schemas.haansoft.com/office/drawingml/8.0" r:embed="rId4">
                     <hd:imgEffect xmlns:hd="http://schemas.haansoft.com/office/drawingml/8.0">
                       <hd:artEffectSoftPortrait trans="10000"/>
@@ -11063,6 +11010,36 @@
           </a:fontRef>
         </p:style>
       </p:cxnSp>
+      <p:sp>
+        <p:nvSpPr>
+          <p:cNvPr id="23" name="TextBox 22"/>
+          <p:cNvSpPr txBox="1"/>
+          <p:nvPr/>
+        </p:nvSpPr>
+        <p:spPr>
+          <a:xfrm>
+            <a:off x="3383868" y="1743658"/>
+            <a:ext cx="415498" cy="369332"/>
+          </a:xfrm>
+          <a:prstGeom prst="rect">
+            <a:avLst/>
+          </a:prstGeom>
+          <a:noFill/>
+        </p:spPr>
+        <p:txBody>
+          <a:bodyPr wrap="none" rtlCol="0">
+            <a:spAutoFit/>
+          </a:bodyPr>
+          <a:lstStyle/>
+          <a:p>
+            <a:r>
+              <a:rPr lang="ko-KR" altLang="en-US" dirty="0" smtClean="0"/>
+              <a:t>④</a:t>
+            </a:r>
+            <a:endParaRPr lang="ko-KR" altLang="en-US" dirty="0"/>
+          </a:p>
+        </p:txBody>
+      </p:sp>
     </p:spTree>
   </p:cSld>
   <p:clrMapOvr>
@@ -11368,7 +11345,7 @@
             <a:lum/>
             <a:extLst>
               <a:ext uri="783A4284-B454-46f5-B8C8-42B5039CE256">
-                <hp:hncPhoto xmlns:hp="http://schemas.haansoft.com/office/presentation/8.0" xmlns:dsp="http://schemas.microsoft.com/office/drawing/2008/diagram" xmlns:dgm="http://schemas.openxmlformats.org/drawingml/2006/diagram" xmlns:c="http://schemas.openxmlformats.org/drawingml/2006/chart" xmlns="">
+                <hp:hncPhoto xmlns="" xmlns:c="http://schemas.openxmlformats.org/drawingml/2006/chart" xmlns:dgm="http://schemas.openxmlformats.org/drawingml/2006/diagram" xmlns:dsp="http://schemas.microsoft.com/office/drawing/2008/diagram" xmlns:hp="http://schemas.haansoft.com/office/presentation/8.0">
                   <hd:imgLayer xmlns:hd="http://schemas.haansoft.com/office/drawingml/8.0" r:embed="rId4">
                     <hd:imgEffect xmlns:hd="http://schemas.haansoft.com/office/drawingml/8.0">
                       <hd:artEffectSoftPortrait trans="10000"/>
@@ -11844,14 +11821,21 @@
                 <a:latin typeface="나눔바른펜"/>
                 <a:ea typeface="나눔바른펜"/>
               </a:rPr>
-              <a:t>주인공 원래 얼</a:t>
-            </a:r>
-            <a:r>
-              <a:rPr lang="ko-KR" altLang="en-US" dirty="0">
+              <a:t>주인공 </a:t>
+            </a:r>
+            <a:r>
+              <a:rPr lang="en-US" altLang="ko-KR" dirty="0" smtClean="0">
                 <a:latin typeface="나눔바른펜"/>
                 <a:ea typeface="나눔바른펜"/>
               </a:rPr>
-              <a:t>굴</a:t>
+              <a:t>,</a:t>
+            </a:r>
+            <a:r>
+              <a:rPr lang="ko-KR" altLang="en-US" dirty="0" smtClean="0">
+                <a:latin typeface="나눔바른펜"/>
+                <a:ea typeface="나눔바른펜"/>
+              </a:rPr>
+              <a:t>조력자</a:t>
             </a:r>
             <a:r>
               <a:rPr lang="ko-KR" altLang="en-US" dirty="0" smtClean="0">
@@ -11924,6 +11908,13 @@
                 <a:ea typeface="나눔바른펜" panose="020B0503000000000000" pitchFamily="50" charset="-127"/>
               </a:rPr>
               <a:t>딸 </a:t>
+            </a:r>
+            <a:r>
+              <a:rPr lang="ko-KR" altLang="en-US" dirty="0" smtClean="0">
+                <a:latin typeface="나눔바른펜" panose="020B0503000000000000" pitchFamily="50" charset="-127"/>
+                <a:ea typeface="나눔바른펜" panose="020B0503000000000000" pitchFamily="50" charset="-127"/>
+              </a:rPr>
+              <a:t>목소리 </a:t>
             </a:r>
             <a:r>
               <a:rPr lang="en-US" altLang="ko-KR" dirty="0" smtClean="0">
@@ -11958,7 +11949,7 @@
     </p:spTree>
     <p:extLst>
       <p:ext uri="{BB962C8B-B14F-4D97-AF65-F5344CB8AC3E}">
-        <p14:creationId xmlns:p14="http://schemas.microsoft.com/office/powerpoint/2010/main" val="2671471266"/>
+        <p14:creationId xmlns:p14="http://schemas.microsoft.com/office/powerpoint/2010/main" xmlns="" val="2671471266"/>
       </p:ext>
     </p:extLst>
   </p:cSld>
